--- a/documentacao/Apresentação Final.pptx
+++ b/documentacao/Apresentação Final.pptx
@@ -10,7 +10,10 @@
     <p:sldId id="257" r:id="rId4"/>
     <p:sldId id="258" r:id="rId5"/>
     <p:sldId id="260" r:id="rId6"/>
-    <p:sldId id="262" r:id="rId7"/>
+    <p:sldId id="265" r:id="rId7"/>
+    <p:sldId id="262" r:id="rId8"/>
+    <p:sldId id="263" r:id="rId9"/>
+    <p:sldId id="264" r:id="rId10"/>
   </p:sldIdLst>
   <p:sldSz cx="12192000" cy="6858000"/>
   <p:notesSz cx="6858000" cy="9144000"/>
@@ -248,7 +251,7 @@
           <a:p>
             <a:fld id="{AE7456D7-A3A6-41B3-9761-6D5BB1ED9CB4}" type="datetimeFigureOut">
               <a:rPr lang="pt-BR" smtClean="0"/>
-              <a:t>17/06/2021</a:t>
+              <a:t>25/06/2021</a:t>
             </a:fld>
             <a:endParaRPr lang="pt-BR"/>
           </a:p>
@@ -418,7 +421,7 @@
           <a:p>
             <a:fld id="{AE7456D7-A3A6-41B3-9761-6D5BB1ED9CB4}" type="datetimeFigureOut">
               <a:rPr lang="pt-BR" smtClean="0"/>
-              <a:t>17/06/2021</a:t>
+              <a:t>25/06/2021</a:t>
             </a:fld>
             <a:endParaRPr lang="pt-BR"/>
           </a:p>
@@ -598,7 +601,7 @@
           <a:p>
             <a:fld id="{AE7456D7-A3A6-41B3-9761-6D5BB1ED9CB4}" type="datetimeFigureOut">
               <a:rPr lang="pt-BR" smtClean="0"/>
-              <a:t>17/06/2021</a:t>
+              <a:t>25/06/2021</a:t>
             </a:fld>
             <a:endParaRPr lang="pt-BR"/>
           </a:p>
@@ -768,7 +771,7 @@
           <a:p>
             <a:fld id="{AE7456D7-A3A6-41B3-9761-6D5BB1ED9CB4}" type="datetimeFigureOut">
               <a:rPr lang="pt-BR" smtClean="0"/>
-              <a:t>17/06/2021</a:t>
+              <a:t>25/06/2021</a:t>
             </a:fld>
             <a:endParaRPr lang="pt-BR"/>
           </a:p>
@@ -1014,7 +1017,7 @@
           <a:p>
             <a:fld id="{AE7456D7-A3A6-41B3-9761-6D5BB1ED9CB4}" type="datetimeFigureOut">
               <a:rPr lang="pt-BR" smtClean="0"/>
-              <a:t>17/06/2021</a:t>
+              <a:t>25/06/2021</a:t>
             </a:fld>
             <a:endParaRPr lang="pt-BR"/>
           </a:p>
@@ -1246,7 +1249,7 @@
           <a:p>
             <a:fld id="{AE7456D7-A3A6-41B3-9761-6D5BB1ED9CB4}" type="datetimeFigureOut">
               <a:rPr lang="pt-BR" smtClean="0"/>
-              <a:t>17/06/2021</a:t>
+              <a:t>25/06/2021</a:t>
             </a:fld>
             <a:endParaRPr lang="pt-BR"/>
           </a:p>
@@ -1613,7 +1616,7 @@
           <a:p>
             <a:fld id="{AE7456D7-A3A6-41B3-9761-6D5BB1ED9CB4}" type="datetimeFigureOut">
               <a:rPr lang="pt-BR" smtClean="0"/>
-              <a:t>17/06/2021</a:t>
+              <a:t>25/06/2021</a:t>
             </a:fld>
             <a:endParaRPr lang="pt-BR"/>
           </a:p>
@@ -1731,7 +1734,7 @@
           <a:p>
             <a:fld id="{AE7456D7-A3A6-41B3-9761-6D5BB1ED9CB4}" type="datetimeFigureOut">
               <a:rPr lang="pt-BR" smtClean="0"/>
-              <a:t>17/06/2021</a:t>
+              <a:t>25/06/2021</a:t>
             </a:fld>
             <a:endParaRPr lang="pt-BR"/>
           </a:p>
@@ -1826,7 +1829,7 @@
           <a:p>
             <a:fld id="{AE7456D7-A3A6-41B3-9761-6D5BB1ED9CB4}" type="datetimeFigureOut">
               <a:rPr lang="pt-BR" smtClean="0"/>
-              <a:t>17/06/2021</a:t>
+              <a:t>25/06/2021</a:t>
             </a:fld>
             <a:endParaRPr lang="pt-BR"/>
           </a:p>
@@ -2103,7 +2106,7 @@
           <a:p>
             <a:fld id="{AE7456D7-A3A6-41B3-9761-6D5BB1ED9CB4}" type="datetimeFigureOut">
               <a:rPr lang="pt-BR" smtClean="0"/>
-              <a:t>17/06/2021</a:t>
+              <a:t>25/06/2021</a:t>
             </a:fld>
             <a:endParaRPr lang="pt-BR"/>
           </a:p>
@@ -2356,7 +2359,7 @@
           <a:p>
             <a:fld id="{AE7456D7-A3A6-41B3-9761-6D5BB1ED9CB4}" type="datetimeFigureOut">
               <a:rPr lang="pt-BR" smtClean="0"/>
-              <a:t>17/06/2021</a:t>
+              <a:t>25/06/2021</a:t>
             </a:fld>
             <a:endParaRPr lang="pt-BR"/>
           </a:p>
@@ -2569,7 +2572,7 @@
           <a:p>
             <a:fld id="{AE7456D7-A3A6-41B3-9761-6D5BB1ED9CB4}" type="datetimeFigureOut">
               <a:rPr lang="pt-BR" smtClean="0"/>
-              <a:t>17/06/2021</a:t>
+              <a:t>25/06/2021</a:t>
             </a:fld>
             <a:endParaRPr lang="pt-BR"/>
           </a:p>
@@ -4214,7 +4217,83 @@
   <p:timing>
     <p:tnLst>
       <p:par>
-        <p:cTn id="1" dur="indefinite" restart="never" nodeType="tmRoot"/>
+        <p:cTn id="1" dur="indefinite" restart="never" nodeType="tmRoot">
+          <p:childTnLst>
+            <p:seq concurrent="1" nextAc="seek">
+              <p:cTn id="2" dur="indefinite" nodeType="mainSeq">
+                <p:childTnLst>
+                  <p:par>
+                    <p:cTn id="3" fill="hold">
+                      <p:stCondLst>
+                        <p:cond delay="indefinite"/>
+                      </p:stCondLst>
+                      <p:childTnLst>
+                        <p:par>
+                          <p:cTn id="4" fill="hold">
+                            <p:stCondLst>
+                              <p:cond delay="0"/>
+                            </p:stCondLst>
+                            <p:childTnLst>
+                              <p:par>
+                                <p:cTn id="5" presetID="10" presetClass="entr" presetSubtype="0" fill="hold" nodeType="clickEffect">
+                                  <p:stCondLst>
+                                    <p:cond delay="0"/>
+                                  </p:stCondLst>
+                                  <p:childTnLst>
+                                    <p:set>
+                                      <p:cBhvr>
+                                        <p:cTn id="6" dur="1" fill="hold">
+                                          <p:stCondLst>
+                                            <p:cond delay="0"/>
+                                          </p:stCondLst>
+                                        </p:cTn>
+                                        <p:tgtEl>
+                                          <p:spTgt spid="4098"/>
+                                        </p:tgtEl>
+                                        <p:attrNameLst>
+                                          <p:attrName>style.visibility</p:attrName>
+                                        </p:attrNameLst>
+                                      </p:cBhvr>
+                                      <p:to>
+                                        <p:strVal val="visible"/>
+                                      </p:to>
+                                    </p:set>
+                                    <p:animEffect transition="in" filter="fade">
+                                      <p:cBhvr>
+                                        <p:cTn id="7" dur="500"/>
+                                        <p:tgtEl>
+                                          <p:spTgt spid="4098"/>
+                                        </p:tgtEl>
+                                      </p:cBhvr>
+                                    </p:animEffect>
+                                  </p:childTnLst>
+                                </p:cTn>
+                              </p:par>
+                            </p:childTnLst>
+                          </p:cTn>
+                        </p:par>
+                      </p:childTnLst>
+                    </p:cTn>
+                  </p:par>
+                </p:childTnLst>
+              </p:cTn>
+              <p:prevCondLst>
+                <p:cond evt="onPrev" delay="0">
+                  <p:tgtEl>
+                    <p:sldTgt/>
+                  </p:tgtEl>
+                </p:cond>
+              </p:prevCondLst>
+              <p:nextCondLst>
+                <p:cond evt="onNext" delay="0">
+                  <p:tgtEl>
+                    <p:sldTgt/>
+                  </p:tgtEl>
+                </p:cond>
+              </p:nextCondLst>
+            </p:seq>
+          </p:childTnLst>
+        </p:cTn>
       </p:par>
     </p:tnLst>
   </p:timing>
@@ -4332,7 +4411,7 @@
         </p:nvSpPr>
         <p:spPr>
           <a:xfrm>
-            <a:off x="132169" y="1877828"/>
+            <a:off x="145913" y="3455775"/>
             <a:ext cx="11900173" cy="1325563"/>
           </a:xfrm>
         </p:spPr>
@@ -4536,6 +4615,901 @@
 </file>
 
 <file path=ppt/slides/slide6.xml><?xml version="1.0" encoding="utf-8"?>
+<p:sld xmlns:a="http://schemas.openxmlformats.org/drawingml/2006/main" xmlns:r="http://schemas.openxmlformats.org/officeDocument/2006/relationships" xmlns:p="http://schemas.openxmlformats.org/presentationml/2006/main">
+  <p:cSld>
+    <p:spTree>
+      <p:nvGrpSpPr>
+        <p:cNvPr id="1" name=""/>
+        <p:cNvGrpSpPr/>
+        <p:nvPr/>
+      </p:nvGrpSpPr>
+      <p:grpSpPr>
+        <a:xfrm>
+          <a:off x="0" y="0"/>
+          <a:ext cx="0" cy="0"/>
+          <a:chOff x="0" y="0"/>
+          <a:chExt cx="0" cy="0"/>
+        </a:xfrm>
+      </p:grpSpPr>
+      <p:sp>
+        <p:nvSpPr>
+          <p:cNvPr id="4" name="Retângulo 3"/>
+          <p:cNvSpPr/>
+          <p:nvPr/>
+        </p:nvSpPr>
+        <p:spPr>
+          <a:xfrm>
+            <a:off x="0" y="0"/>
+            <a:ext cx="12192000" cy="1741714"/>
+          </a:xfrm>
+          <a:prstGeom prst="rect">
+            <a:avLst/>
+          </a:prstGeom>
+        </p:spPr>
+        <p:style>
+          <a:lnRef idx="2">
+            <a:schemeClr val="accent1">
+              <a:shade val="50000"/>
+            </a:schemeClr>
+          </a:lnRef>
+          <a:fillRef idx="1">
+            <a:schemeClr val="accent1"/>
+          </a:fillRef>
+          <a:effectRef idx="0">
+            <a:schemeClr val="accent1"/>
+          </a:effectRef>
+          <a:fontRef idx="minor">
+            <a:schemeClr val="lt1"/>
+          </a:fontRef>
+        </p:style>
+        <p:txBody>
+          <a:bodyPr rtlCol="0" anchor="ctr"/>
+          <a:lstStyle/>
+          <a:p>
+            <a:pPr algn="ctr"/>
+            <a:endParaRPr lang="pt-BR"/>
+          </a:p>
+        </p:txBody>
+      </p:sp>
+      <p:sp>
+        <p:nvSpPr>
+          <p:cNvPr id="2" name="Título 1"/>
+          <p:cNvSpPr>
+            <a:spLocks noGrp="1"/>
+          </p:cNvSpPr>
+          <p:nvPr>
+            <p:ph type="title"/>
+          </p:nvPr>
+        </p:nvSpPr>
+        <p:spPr/>
+        <p:txBody>
+          <a:bodyPr/>
+          <a:lstStyle/>
+          <a:p>
+            <a:pPr algn="ctr"/>
+            <a:r>
+              <a:rPr lang="pt-BR" dirty="0" smtClean="0">
+                <a:latin typeface="Javanese Text" panose="02000000000000000000" pitchFamily="2" charset="0"/>
+              </a:rPr>
+              <a:t>Pesquisa</a:t>
+            </a:r>
+            <a:endParaRPr lang="pt-BR" dirty="0"/>
+          </a:p>
+        </p:txBody>
+      </p:sp>
+      <p:pic>
+        <p:nvPicPr>
+          <p:cNvPr id="13" name="Imagem 12"/>
+          <p:cNvPicPr>
+            <a:picLocks noChangeAspect="1"/>
+          </p:cNvPicPr>
+          <p:nvPr/>
+        </p:nvPicPr>
+        <p:blipFill>
+          <a:blip r:embed="rId2" cstate="print">
+            <a:extLst>
+              <a:ext uri="{28A0092B-C50C-407E-A947-70E740481C1C}">
+                <a14:useLocalDpi xmlns:a14="http://schemas.microsoft.com/office/drawing/2010/main" val="0"/>
+              </a:ext>
+            </a:extLst>
+          </a:blip>
+          <a:stretch>
+            <a:fillRect/>
+          </a:stretch>
+        </p:blipFill>
+        <p:spPr>
+          <a:xfrm>
+            <a:off x="134294" y="1918248"/>
+            <a:ext cx="2916867" cy="1911659"/>
+          </a:xfrm>
+          <a:prstGeom prst="rect">
+            <a:avLst/>
+          </a:prstGeom>
+        </p:spPr>
+      </p:pic>
+      <p:pic>
+        <p:nvPicPr>
+          <p:cNvPr id="14" name="Imagem 13"/>
+          <p:cNvPicPr>
+            <a:picLocks noChangeAspect="1"/>
+          </p:cNvPicPr>
+          <p:nvPr/>
+        </p:nvPicPr>
+        <p:blipFill>
+          <a:blip r:embed="rId3" cstate="print">
+            <a:extLst>
+              <a:ext uri="{28A0092B-C50C-407E-A947-70E740481C1C}">
+                <a14:useLocalDpi xmlns:a14="http://schemas.microsoft.com/office/drawing/2010/main" val="0"/>
+              </a:ext>
+            </a:extLst>
+          </a:blip>
+          <a:stretch>
+            <a:fillRect/>
+          </a:stretch>
+        </p:blipFill>
+        <p:spPr>
+          <a:xfrm>
+            <a:off x="3257171" y="1883685"/>
+            <a:ext cx="2838829" cy="1946222"/>
+          </a:xfrm>
+          <a:prstGeom prst="rect">
+            <a:avLst/>
+          </a:prstGeom>
+        </p:spPr>
+      </p:pic>
+      <p:pic>
+        <p:nvPicPr>
+          <p:cNvPr id="15" name="Imagem 14"/>
+          <p:cNvPicPr>
+            <a:picLocks noChangeAspect="1"/>
+          </p:cNvPicPr>
+          <p:nvPr/>
+        </p:nvPicPr>
+        <p:blipFill>
+          <a:blip r:embed="rId4" cstate="print">
+            <a:extLst>
+              <a:ext uri="{28A0092B-C50C-407E-A947-70E740481C1C}">
+                <a14:useLocalDpi xmlns:a14="http://schemas.microsoft.com/office/drawing/2010/main" val="0"/>
+              </a:ext>
+            </a:extLst>
+          </a:blip>
+          <a:stretch>
+            <a:fillRect/>
+          </a:stretch>
+        </p:blipFill>
+        <p:spPr>
+          <a:xfrm>
+            <a:off x="6198499" y="1918248"/>
+            <a:ext cx="1990641" cy="1945775"/>
+          </a:xfrm>
+          <a:prstGeom prst="rect">
+            <a:avLst/>
+          </a:prstGeom>
+        </p:spPr>
+      </p:pic>
+      <p:pic>
+        <p:nvPicPr>
+          <p:cNvPr id="16" name="Imagem 15"/>
+          <p:cNvPicPr>
+            <a:picLocks noChangeAspect="1"/>
+          </p:cNvPicPr>
+          <p:nvPr/>
+        </p:nvPicPr>
+        <p:blipFill>
+          <a:blip r:embed="rId5" cstate="print">
+            <a:extLst>
+              <a:ext uri="{28A0092B-C50C-407E-A947-70E740481C1C}">
+                <a14:useLocalDpi xmlns:a14="http://schemas.microsoft.com/office/drawing/2010/main" val="0"/>
+              </a:ext>
+            </a:extLst>
+          </a:blip>
+          <a:stretch>
+            <a:fillRect/>
+          </a:stretch>
+        </p:blipFill>
+        <p:spPr>
+          <a:xfrm>
+            <a:off x="8492144" y="1918048"/>
+            <a:ext cx="2844334" cy="1945975"/>
+          </a:xfrm>
+          <a:prstGeom prst="rect">
+            <a:avLst/>
+          </a:prstGeom>
+        </p:spPr>
+      </p:pic>
+      <p:pic>
+        <p:nvPicPr>
+          <p:cNvPr id="17" name="Imagem 16"/>
+          <p:cNvPicPr>
+            <a:picLocks noChangeAspect="1"/>
+          </p:cNvPicPr>
+          <p:nvPr/>
+        </p:nvPicPr>
+        <p:blipFill>
+          <a:blip r:embed="rId6" cstate="print">
+            <a:extLst>
+              <a:ext uri="{28A0092B-C50C-407E-A947-70E740481C1C}">
+                <a14:useLocalDpi xmlns:a14="http://schemas.microsoft.com/office/drawing/2010/main" val="0"/>
+              </a:ext>
+            </a:extLst>
+          </a:blip>
+          <a:stretch>
+            <a:fillRect/>
+          </a:stretch>
+        </p:blipFill>
+        <p:spPr>
+          <a:xfrm>
+            <a:off x="134294" y="4006440"/>
+            <a:ext cx="2916867" cy="2253529"/>
+          </a:xfrm>
+          <a:prstGeom prst="rect">
+            <a:avLst/>
+          </a:prstGeom>
+        </p:spPr>
+      </p:pic>
+      <p:pic>
+        <p:nvPicPr>
+          <p:cNvPr id="18" name="Imagem 17"/>
+          <p:cNvPicPr>
+            <a:picLocks noChangeAspect="1"/>
+          </p:cNvPicPr>
+          <p:nvPr/>
+        </p:nvPicPr>
+        <p:blipFill>
+          <a:blip r:embed="rId7" cstate="print">
+            <a:extLst>
+              <a:ext uri="{28A0092B-C50C-407E-A947-70E740481C1C}">
+                <a14:useLocalDpi xmlns:a14="http://schemas.microsoft.com/office/drawing/2010/main" val="0"/>
+              </a:ext>
+            </a:extLst>
+          </a:blip>
+          <a:stretch>
+            <a:fillRect/>
+          </a:stretch>
+        </p:blipFill>
+        <p:spPr>
+          <a:xfrm>
+            <a:off x="3257171" y="3971878"/>
+            <a:ext cx="2043112" cy="2605437"/>
+          </a:xfrm>
+          <a:prstGeom prst="rect">
+            <a:avLst/>
+          </a:prstGeom>
+        </p:spPr>
+      </p:pic>
+      <p:pic>
+        <p:nvPicPr>
+          <p:cNvPr id="19" name="Imagem 18"/>
+          <p:cNvPicPr>
+            <a:picLocks noChangeAspect="1"/>
+          </p:cNvPicPr>
+          <p:nvPr/>
+        </p:nvPicPr>
+        <p:blipFill>
+          <a:blip r:embed="rId8" cstate="print">
+            <a:extLst>
+              <a:ext uri="{28A0092B-C50C-407E-A947-70E740481C1C}">
+                <a14:useLocalDpi xmlns:a14="http://schemas.microsoft.com/office/drawing/2010/main" val="0"/>
+              </a:ext>
+            </a:extLst>
+          </a:blip>
+          <a:stretch>
+            <a:fillRect/>
+          </a:stretch>
+        </p:blipFill>
+        <p:spPr>
+          <a:xfrm>
+            <a:off x="5643359" y="3971878"/>
+            <a:ext cx="2502624" cy="2524715"/>
+          </a:xfrm>
+          <a:prstGeom prst="rect">
+            <a:avLst/>
+          </a:prstGeom>
+        </p:spPr>
+      </p:pic>
+      <p:pic>
+        <p:nvPicPr>
+          <p:cNvPr id="20" name="Imagem 19"/>
+          <p:cNvPicPr>
+            <a:picLocks noChangeAspect="1"/>
+          </p:cNvPicPr>
+          <p:nvPr/>
+        </p:nvPicPr>
+        <p:blipFill>
+          <a:blip r:embed="rId9" cstate="print">
+            <a:extLst>
+              <a:ext uri="{28A0092B-C50C-407E-A947-70E740481C1C}">
+                <a14:useLocalDpi xmlns:a14="http://schemas.microsoft.com/office/drawing/2010/main" val="0"/>
+              </a:ext>
+            </a:extLst>
+          </a:blip>
+          <a:stretch>
+            <a:fillRect/>
+          </a:stretch>
+        </p:blipFill>
+        <p:spPr>
+          <a:xfrm>
+            <a:off x="8489059" y="4165888"/>
+            <a:ext cx="3114622" cy="2411427"/>
+          </a:xfrm>
+          <a:prstGeom prst="rect">
+            <a:avLst/>
+          </a:prstGeom>
+        </p:spPr>
+      </p:pic>
+    </p:spTree>
+    <p:extLst>
+      <p:ext uri="{BB962C8B-B14F-4D97-AF65-F5344CB8AC3E}">
+        <p14:creationId xmlns:p14="http://schemas.microsoft.com/office/powerpoint/2010/main" val="4050309767"/>
+      </p:ext>
+    </p:extLst>
+  </p:cSld>
+  <p:clrMapOvr>
+    <a:masterClrMapping/>
+  </p:clrMapOvr>
+  <p:timing>
+    <p:tnLst>
+      <p:par>
+        <p:cTn id="1" dur="indefinite" restart="never" nodeType="tmRoot">
+          <p:childTnLst>
+            <p:seq concurrent="1" nextAc="seek">
+              <p:cTn id="2" dur="indefinite" nodeType="mainSeq">
+                <p:childTnLst>
+                  <p:par>
+                    <p:cTn id="3" fill="hold">
+                      <p:stCondLst>
+                        <p:cond delay="indefinite"/>
+                      </p:stCondLst>
+                      <p:childTnLst>
+                        <p:par>
+                          <p:cTn id="4" fill="hold">
+                            <p:stCondLst>
+                              <p:cond delay="0"/>
+                            </p:stCondLst>
+                            <p:childTnLst>
+                              <p:par>
+                                <p:cTn id="5" presetID="2" presetClass="entr" presetSubtype="1" fill="hold" grpId="0" nodeType="clickEffect">
+                                  <p:stCondLst>
+                                    <p:cond delay="0"/>
+                                  </p:stCondLst>
+                                  <p:childTnLst>
+                                    <p:set>
+                                      <p:cBhvr>
+                                        <p:cTn id="6" dur="1" fill="hold">
+                                          <p:stCondLst>
+                                            <p:cond delay="0"/>
+                                          </p:stCondLst>
+                                        </p:cTn>
+                                        <p:tgtEl>
+                                          <p:spTgt spid="4"/>
+                                        </p:tgtEl>
+                                        <p:attrNameLst>
+                                          <p:attrName>style.visibility</p:attrName>
+                                        </p:attrNameLst>
+                                      </p:cBhvr>
+                                      <p:to>
+                                        <p:strVal val="visible"/>
+                                      </p:to>
+                                    </p:set>
+                                    <p:anim calcmode="lin" valueType="num">
+                                      <p:cBhvr additive="base">
+                                        <p:cTn id="7" dur="500" fill="hold"/>
+                                        <p:tgtEl>
+                                          <p:spTgt spid="4"/>
+                                        </p:tgtEl>
+                                        <p:attrNameLst>
+                                          <p:attrName>ppt_x</p:attrName>
+                                        </p:attrNameLst>
+                                      </p:cBhvr>
+                                      <p:tavLst>
+                                        <p:tav tm="0">
+                                          <p:val>
+                                            <p:strVal val="#ppt_x"/>
+                                          </p:val>
+                                        </p:tav>
+                                        <p:tav tm="100000">
+                                          <p:val>
+                                            <p:strVal val="#ppt_x"/>
+                                          </p:val>
+                                        </p:tav>
+                                      </p:tavLst>
+                                    </p:anim>
+                                    <p:anim calcmode="lin" valueType="num">
+                                      <p:cBhvr additive="base">
+                                        <p:cTn id="8" dur="500" fill="hold"/>
+                                        <p:tgtEl>
+                                          <p:spTgt spid="4"/>
+                                        </p:tgtEl>
+                                        <p:attrNameLst>
+                                          <p:attrName>ppt_y</p:attrName>
+                                        </p:attrNameLst>
+                                      </p:cBhvr>
+                                      <p:tavLst>
+                                        <p:tav tm="0">
+                                          <p:val>
+                                            <p:strVal val="0-#ppt_h/2"/>
+                                          </p:val>
+                                        </p:tav>
+                                        <p:tav tm="100000">
+                                          <p:val>
+                                            <p:strVal val="#ppt_y"/>
+                                          </p:val>
+                                        </p:tav>
+                                      </p:tavLst>
+                                    </p:anim>
+                                  </p:childTnLst>
+                                </p:cTn>
+                              </p:par>
+                            </p:childTnLst>
+                          </p:cTn>
+                        </p:par>
+                        <p:par>
+                          <p:cTn id="9" fill="hold">
+                            <p:stCondLst>
+                              <p:cond delay="500"/>
+                            </p:stCondLst>
+                            <p:childTnLst>
+                              <p:par>
+                                <p:cTn id="10" presetID="2" presetClass="entr" presetSubtype="1" fill="hold" grpId="0" nodeType="afterEffect">
+                                  <p:stCondLst>
+                                    <p:cond delay="0"/>
+                                  </p:stCondLst>
+                                  <p:childTnLst>
+                                    <p:set>
+                                      <p:cBhvr>
+                                        <p:cTn id="11" dur="1" fill="hold">
+                                          <p:stCondLst>
+                                            <p:cond delay="0"/>
+                                          </p:stCondLst>
+                                        </p:cTn>
+                                        <p:tgtEl>
+                                          <p:spTgt spid="2"/>
+                                        </p:tgtEl>
+                                        <p:attrNameLst>
+                                          <p:attrName>style.visibility</p:attrName>
+                                        </p:attrNameLst>
+                                      </p:cBhvr>
+                                      <p:to>
+                                        <p:strVal val="visible"/>
+                                      </p:to>
+                                    </p:set>
+                                    <p:anim calcmode="lin" valueType="num">
+                                      <p:cBhvr additive="base">
+                                        <p:cTn id="12" dur="500" fill="hold"/>
+                                        <p:tgtEl>
+                                          <p:spTgt spid="2"/>
+                                        </p:tgtEl>
+                                        <p:attrNameLst>
+                                          <p:attrName>ppt_x</p:attrName>
+                                        </p:attrNameLst>
+                                      </p:cBhvr>
+                                      <p:tavLst>
+                                        <p:tav tm="0">
+                                          <p:val>
+                                            <p:strVal val="#ppt_x"/>
+                                          </p:val>
+                                        </p:tav>
+                                        <p:tav tm="100000">
+                                          <p:val>
+                                            <p:strVal val="#ppt_x"/>
+                                          </p:val>
+                                        </p:tav>
+                                      </p:tavLst>
+                                    </p:anim>
+                                    <p:anim calcmode="lin" valueType="num">
+                                      <p:cBhvr additive="base">
+                                        <p:cTn id="13" dur="500" fill="hold"/>
+                                        <p:tgtEl>
+                                          <p:spTgt spid="2"/>
+                                        </p:tgtEl>
+                                        <p:attrNameLst>
+                                          <p:attrName>ppt_y</p:attrName>
+                                        </p:attrNameLst>
+                                      </p:cBhvr>
+                                      <p:tavLst>
+                                        <p:tav tm="0">
+                                          <p:val>
+                                            <p:strVal val="0-#ppt_h/2"/>
+                                          </p:val>
+                                        </p:tav>
+                                        <p:tav tm="100000">
+                                          <p:val>
+                                            <p:strVal val="#ppt_y"/>
+                                          </p:val>
+                                        </p:tav>
+                                      </p:tavLst>
+                                    </p:anim>
+                                  </p:childTnLst>
+                                </p:cTn>
+                              </p:par>
+                            </p:childTnLst>
+                          </p:cTn>
+                        </p:par>
+                        <p:par>
+                          <p:cTn id="14" fill="hold">
+                            <p:stCondLst>
+                              <p:cond delay="1000"/>
+                            </p:stCondLst>
+                            <p:childTnLst>
+                              <p:par>
+                                <p:cTn id="15" presetID="10" presetClass="entr" presetSubtype="0" fill="hold" nodeType="afterEffect">
+                                  <p:stCondLst>
+                                    <p:cond delay="0"/>
+                                  </p:stCondLst>
+                                  <p:childTnLst>
+                                    <p:set>
+                                      <p:cBhvr>
+                                        <p:cTn id="16" dur="1" fill="hold">
+                                          <p:stCondLst>
+                                            <p:cond delay="0"/>
+                                          </p:stCondLst>
+                                        </p:cTn>
+                                        <p:tgtEl>
+                                          <p:spTgt spid="13"/>
+                                        </p:tgtEl>
+                                        <p:attrNameLst>
+                                          <p:attrName>style.visibility</p:attrName>
+                                        </p:attrNameLst>
+                                      </p:cBhvr>
+                                      <p:to>
+                                        <p:strVal val="visible"/>
+                                      </p:to>
+                                    </p:set>
+                                    <p:animEffect transition="in" filter="fade">
+                                      <p:cBhvr>
+                                        <p:cTn id="17" dur="500"/>
+                                        <p:tgtEl>
+                                          <p:spTgt spid="13"/>
+                                        </p:tgtEl>
+                                      </p:cBhvr>
+                                    </p:animEffect>
+                                  </p:childTnLst>
+                                </p:cTn>
+                              </p:par>
+                            </p:childTnLst>
+                          </p:cTn>
+                        </p:par>
+                        <p:par>
+                          <p:cTn id="18" fill="hold">
+                            <p:stCondLst>
+                              <p:cond delay="1500"/>
+                            </p:stCondLst>
+                            <p:childTnLst>
+                              <p:par>
+                                <p:cTn id="19" presetID="10" presetClass="entr" presetSubtype="0" fill="hold" nodeType="afterEffect">
+                                  <p:stCondLst>
+                                    <p:cond delay="0"/>
+                                  </p:stCondLst>
+                                  <p:childTnLst>
+                                    <p:set>
+                                      <p:cBhvr>
+                                        <p:cTn id="20" dur="1" fill="hold">
+                                          <p:stCondLst>
+                                            <p:cond delay="0"/>
+                                          </p:stCondLst>
+                                        </p:cTn>
+                                        <p:tgtEl>
+                                          <p:spTgt spid="14"/>
+                                        </p:tgtEl>
+                                        <p:attrNameLst>
+                                          <p:attrName>style.visibility</p:attrName>
+                                        </p:attrNameLst>
+                                      </p:cBhvr>
+                                      <p:to>
+                                        <p:strVal val="visible"/>
+                                      </p:to>
+                                    </p:set>
+                                    <p:animEffect transition="in" filter="fade">
+                                      <p:cBhvr>
+                                        <p:cTn id="21" dur="500"/>
+                                        <p:tgtEl>
+                                          <p:spTgt spid="14"/>
+                                        </p:tgtEl>
+                                      </p:cBhvr>
+                                    </p:animEffect>
+                                  </p:childTnLst>
+                                </p:cTn>
+                              </p:par>
+                            </p:childTnLst>
+                          </p:cTn>
+                        </p:par>
+                        <p:par>
+                          <p:cTn id="22" fill="hold">
+                            <p:stCondLst>
+                              <p:cond delay="2000"/>
+                            </p:stCondLst>
+                            <p:childTnLst>
+                              <p:par>
+                                <p:cTn id="23" presetID="10" presetClass="entr" presetSubtype="0" fill="hold" nodeType="afterEffect">
+                                  <p:stCondLst>
+                                    <p:cond delay="0"/>
+                                  </p:stCondLst>
+                                  <p:childTnLst>
+                                    <p:set>
+                                      <p:cBhvr>
+                                        <p:cTn id="24" dur="1" fill="hold">
+                                          <p:stCondLst>
+                                            <p:cond delay="0"/>
+                                          </p:stCondLst>
+                                        </p:cTn>
+                                        <p:tgtEl>
+                                          <p:spTgt spid="15"/>
+                                        </p:tgtEl>
+                                        <p:attrNameLst>
+                                          <p:attrName>style.visibility</p:attrName>
+                                        </p:attrNameLst>
+                                      </p:cBhvr>
+                                      <p:to>
+                                        <p:strVal val="visible"/>
+                                      </p:to>
+                                    </p:set>
+                                    <p:animEffect transition="in" filter="fade">
+                                      <p:cBhvr>
+                                        <p:cTn id="25" dur="500"/>
+                                        <p:tgtEl>
+                                          <p:spTgt spid="15"/>
+                                        </p:tgtEl>
+                                      </p:cBhvr>
+                                    </p:animEffect>
+                                  </p:childTnLst>
+                                </p:cTn>
+                              </p:par>
+                            </p:childTnLst>
+                          </p:cTn>
+                        </p:par>
+                        <p:par>
+                          <p:cTn id="26" fill="hold">
+                            <p:stCondLst>
+                              <p:cond delay="2500"/>
+                            </p:stCondLst>
+                            <p:childTnLst>
+                              <p:par>
+                                <p:cTn id="27" presetID="10" presetClass="entr" presetSubtype="0" fill="hold" nodeType="afterEffect">
+                                  <p:stCondLst>
+                                    <p:cond delay="0"/>
+                                  </p:stCondLst>
+                                  <p:childTnLst>
+                                    <p:set>
+                                      <p:cBhvr>
+                                        <p:cTn id="28" dur="1" fill="hold">
+                                          <p:stCondLst>
+                                            <p:cond delay="0"/>
+                                          </p:stCondLst>
+                                        </p:cTn>
+                                        <p:tgtEl>
+                                          <p:spTgt spid="16"/>
+                                        </p:tgtEl>
+                                        <p:attrNameLst>
+                                          <p:attrName>style.visibility</p:attrName>
+                                        </p:attrNameLst>
+                                      </p:cBhvr>
+                                      <p:to>
+                                        <p:strVal val="visible"/>
+                                      </p:to>
+                                    </p:set>
+                                    <p:animEffect transition="in" filter="fade">
+                                      <p:cBhvr>
+                                        <p:cTn id="29" dur="500"/>
+                                        <p:tgtEl>
+                                          <p:spTgt spid="16"/>
+                                        </p:tgtEl>
+                                      </p:cBhvr>
+                                    </p:animEffect>
+                                  </p:childTnLst>
+                                </p:cTn>
+                              </p:par>
+                            </p:childTnLst>
+                          </p:cTn>
+                        </p:par>
+                        <p:par>
+                          <p:cTn id="30" fill="hold">
+                            <p:stCondLst>
+                              <p:cond delay="3000"/>
+                            </p:stCondLst>
+                            <p:childTnLst>
+                              <p:par>
+                                <p:cTn id="31" presetID="10" presetClass="entr" presetSubtype="0" fill="hold" nodeType="afterEffect">
+                                  <p:stCondLst>
+                                    <p:cond delay="0"/>
+                                  </p:stCondLst>
+                                  <p:childTnLst>
+                                    <p:set>
+                                      <p:cBhvr>
+                                        <p:cTn id="32" dur="1" fill="hold">
+                                          <p:stCondLst>
+                                            <p:cond delay="0"/>
+                                          </p:stCondLst>
+                                        </p:cTn>
+                                        <p:tgtEl>
+                                          <p:spTgt spid="17"/>
+                                        </p:tgtEl>
+                                        <p:attrNameLst>
+                                          <p:attrName>style.visibility</p:attrName>
+                                        </p:attrNameLst>
+                                      </p:cBhvr>
+                                      <p:to>
+                                        <p:strVal val="visible"/>
+                                      </p:to>
+                                    </p:set>
+                                    <p:animEffect transition="in" filter="fade">
+                                      <p:cBhvr>
+                                        <p:cTn id="33" dur="500"/>
+                                        <p:tgtEl>
+                                          <p:spTgt spid="17"/>
+                                        </p:tgtEl>
+                                      </p:cBhvr>
+                                    </p:animEffect>
+                                  </p:childTnLst>
+                                </p:cTn>
+                              </p:par>
+                            </p:childTnLst>
+                          </p:cTn>
+                        </p:par>
+                        <p:par>
+                          <p:cTn id="34" fill="hold">
+                            <p:stCondLst>
+                              <p:cond delay="3500"/>
+                            </p:stCondLst>
+                            <p:childTnLst>
+                              <p:par>
+                                <p:cTn id="35" presetID="10" presetClass="entr" presetSubtype="0" fill="hold" nodeType="afterEffect">
+                                  <p:stCondLst>
+                                    <p:cond delay="0"/>
+                                  </p:stCondLst>
+                                  <p:childTnLst>
+                                    <p:set>
+                                      <p:cBhvr>
+                                        <p:cTn id="36" dur="1" fill="hold">
+                                          <p:stCondLst>
+                                            <p:cond delay="0"/>
+                                          </p:stCondLst>
+                                        </p:cTn>
+                                        <p:tgtEl>
+                                          <p:spTgt spid="18"/>
+                                        </p:tgtEl>
+                                        <p:attrNameLst>
+                                          <p:attrName>style.visibility</p:attrName>
+                                        </p:attrNameLst>
+                                      </p:cBhvr>
+                                      <p:to>
+                                        <p:strVal val="visible"/>
+                                      </p:to>
+                                    </p:set>
+                                    <p:animEffect transition="in" filter="fade">
+                                      <p:cBhvr>
+                                        <p:cTn id="37" dur="500"/>
+                                        <p:tgtEl>
+                                          <p:spTgt spid="18"/>
+                                        </p:tgtEl>
+                                      </p:cBhvr>
+                                    </p:animEffect>
+                                  </p:childTnLst>
+                                </p:cTn>
+                              </p:par>
+                            </p:childTnLst>
+                          </p:cTn>
+                        </p:par>
+                        <p:par>
+                          <p:cTn id="38" fill="hold">
+                            <p:stCondLst>
+                              <p:cond delay="4000"/>
+                            </p:stCondLst>
+                            <p:childTnLst>
+                              <p:par>
+                                <p:cTn id="39" presetID="10" presetClass="entr" presetSubtype="0" fill="hold" nodeType="afterEffect">
+                                  <p:stCondLst>
+                                    <p:cond delay="0"/>
+                                  </p:stCondLst>
+                                  <p:childTnLst>
+                                    <p:set>
+                                      <p:cBhvr>
+                                        <p:cTn id="40" dur="1" fill="hold">
+                                          <p:stCondLst>
+                                            <p:cond delay="0"/>
+                                          </p:stCondLst>
+                                        </p:cTn>
+                                        <p:tgtEl>
+                                          <p:spTgt spid="19"/>
+                                        </p:tgtEl>
+                                        <p:attrNameLst>
+                                          <p:attrName>style.visibility</p:attrName>
+                                        </p:attrNameLst>
+                                      </p:cBhvr>
+                                      <p:to>
+                                        <p:strVal val="visible"/>
+                                      </p:to>
+                                    </p:set>
+                                    <p:animEffect transition="in" filter="fade">
+                                      <p:cBhvr>
+                                        <p:cTn id="41" dur="500"/>
+                                        <p:tgtEl>
+                                          <p:spTgt spid="19"/>
+                                        </p:tgtEl>
+                                      </p:cBhvr>
+                                    </p:animEffect>
+                                  </p:childTnLst>
+                                </p:cTn>
+                              </p:par>
+                            </p:childTnLst>
+                          </p:cTn>
+                        </p:par>
+                        <p:par>
+                          <p:cTn id="42" fill="hold">
+                            <p:stCondLst>
+                              <p:cond delay="4500"/>
+                            </p:stCondLst>
+                            <p:childTnLst>
+                              <p:par>
+                                <p:cTn id="43" presetID="10" presetClass="entr" presetSubtype="0" fill="hold" nodeType="afterEffect">
+                                  <p:stCondLst>
+                                    <p:cond delay="0"/>
+                                  </p:stCondLst>
+                                  <p:childTnLst>
+                                    <p:set>
+                                      <p:cBhvr>
+                                        <p:cTn id="44" dur="1" fill="hold">
+                                          <p:stCondLst>
+                                            <p:cond delay="0"/>
+                                          </p:stCondLst>
+                                        </p:cTn>
+                                        <p:tgtEl>
+                                          <p:spTgt spid="20"/>
+                                        </p:tgtEl>
+                                        <p:attrNameLst>
+                                          <p:attrName>style.visibility</p:attrName>
+                                        </p:attrNameLst>
+                                      </p:cBhvr>
+                                      <p:to>
+                                        <p:strVal val="visible"/>
+                                      </p:to>
+                                    </p:set>
+                                    <p:animEffect transition="in" filter="fade">
+                                      <p:cBhvr>
+                                        <p:cTn id="45" dur="500"/>
+                                        <p:tgtEl>
+                                          <p:spTgt spid="20"/>
+                                        </p:tgtEl>
+                                      </p:cBhvr>
+                                    </p:animEffect>
+                                  </p:childTnLst>
+                                </p:cTn>
+                              </p:par>
+                            </p:childTnLst>
+                          </p:cTn>
+                        </p:par>
+                      </p:childTnLst>
+                    </p:cTn>
+                  </p:par>
+                </p:childTnLst>
+              </p:cTn>
+              <p:prevCondLst>
+                <p:cond evt="onPrev" delay="0">
+                  <p:tgtEl>
+                    <p:sldTgt/>
+                  </p:tgtEl>
+                </p:cond>
+              </p:prevCondLst>
+              <p:nextCondLst>
+                <p:cond evt="onNext" delay="0">
+                  <p:tgtEl>
+                    <p:sldTgt/>
+                  </p:tgtEl>
+                </p:cond>
+              </p:nextCondLst>
+            </p:seq>
+          </p:childTnLst>
+        </p:cTn>
+      </p:par>
+    </p:tnLst>
+    <p:bldLst>
+      <p:bldP spid="4" grpId="0" animBg="1"/>
+      <p:bldP spid="2" grpId="0"/>
+    </p:bldLst>
+  </p:timing>
+</p:sld>
+</file>
+
+<file path=ppt/slides/slide7.xml><?xml version="1.0" encoding="utf-8"?>
 <p:sld xmlns:a="http://schemas.openxmlformats.org/drawingml/2006/main" xmlns:r="http://schemas.openxmlformats.org/officeDocument/2006/relationships" xmlns:p="http://schemas.openxmlformats.org/presentationml/2006/main">
   <p:cSld>
     <p:spTree>
@@ -4935,6 +5909,498 @@
                             </p:childTnLst>
                           </p:cTn>
                         </p:par>
+                        <p:par>
+                          <p:cTn id="9" fill="hold">
+                            <p:stCondLst>
+                              <p:cond delay="500"/>
+                            </p:stCondLst>
+                            <p:childTnLst>
+                              <p:par>
+                                <p:cTn id="10" presetID="2" presetClass="entr" presetSubtype="8" fill="hold" nodeType="afterEffect">
+                                  <p:stCondLst>
+                                    <p:cond delay="0"/>
+                                  </p:stCondLst>
+                                  <p:childTnLst>
+                                    <p:set>
+                                      <p:cBhvr>
+                                        <p:cTn id="11" dur="1" fill="hold">
+                                          <p:stCondLst>
+                                            <p:cond delay="0"/>
+                                          </p:stCondLst>
+                                        </p:cTn>
+                                        <p:tgtEl>
+                                          <p:spTgt spid="12"/>
+                                        </p:tgtEl>
+                                        <p:attrNameLst>
+                                          <p:attrName>style.visibility</p:attrName>
+                                        </p:attrNameLst>
+                                      </p:cBhvr>
+                                      <p:to>
+                                        <p:strVal val="visible"/>
+                                      </p:to>
+                                    </p:set>
+                                    <p:anim calcmode="lin" valueType="num">
+                                      <p:cBhvr additive="base">
+                                        <p:cTn id="12" dur="500" fill="hold"/>
+                                        <p:tgtEl>
+                                          <p:spTgt spid="12"/>
+                                        </p:tgtEl>
+                                        <p:attrNameLst>
+                                          <p:attrName>ppt_x</p:attrName>
+                                        </p:attrNameLst>
+                                      </p:cBhvr>
+                                      <p:tavLst>
+                                        <p:tav tm="0">
+                                          <p:val>
+                                            <p:strVal val="0-#ppt_w/2"/>
+                                          </p:val>
+                                        </p:tav>
+                                        <p:tav tm="100000">
+                                          <p:val>
+                                            <p:strVal val="#ppt_x"/>
+                                          </p:val>
+                                        </p:tav>
+                                      </p:tavLst>
+                                    </p:anim>
+                                    <p:anim calcmode="lin" valueType="num">
+                                      <p:cBhvr additive="base">
+                                        <p:cTn id="13" dur="500" fill="hold"/>
+                                        <p:tgtEl>
+                                          <p:spTgt spid="12"/>
+                                        </p:tgtEl>
+                                        <p:attrNameLst>
+                                          <p:attrName>ppt_y</p:attrName>
+                                        </p:attrNameLst>
+                                      </p:cBhvr>
+                                      <p:tavLst>
+                                        <p:tav tm="0">
+                                          <p:val>
+                                            <p:strVal val="#ppt_y"/>
+                                          </p:val>
+                                        </p:tav>
+                                        <p:tav tm="100000">
+                                          <p:val>
+                                            <p:strVal val="#ppt_y"/>
+                                          </p:val>
+                                        </p:tav>
+                                      </p:tavLst>
+                                    </p:anim>
+                                  </p:childTnLst>
+                                </p:cTn>
+                              </p:par>
+                            </p:childTnLst>
+                          </p:cTn>
+                        </p:par>
+                        <p:par>
+                          <p:cTn id="14" fill="hold">
+                            <p:stCondLst>
+                              <p:cond delay="1000"/>
+                            </p:stCondLst>
+                            <p:childTnLst>
+                              <p:par>
+                                <p:cTn id="15" presetID="2" presetClass="entr" presetSubtype="8" fill="hold" nodeType="afterEffect">
+                                  <p:stCondLst>
+                                    <p:cond delay="0"/>
+                                  </p:stCondLst>
+                                  <p:childTnLst>
+                                    <p:set>
+                                      <p:cBhvr>
+                                        <p:cTn id="16" dur="1" fill="hold">
+                                          <p:stCondLst>
+                                            <p:cond delay="0"/>
+                                          </p:stCondLst>
+                                        </p:cTn>
+                                        <p:tgtEl>
+                                          <p:spTgt spid="11"/>
+                                        </p:tgtEl>
+                                        <p:attrNameLst>
+                                          <p:attrName>style.visibility</p:attrName>
+                                        </p:attrNameLst>
+                                      </p:cBhvr>
+                                      <p:to>
+                                        <p:strVal val="visible"/>
+                                      </p:to>
+                                    </p:set>
+                                    <p:anim calcmode="lin" valueType="num">
+                                      <p:cBhvr additive="base">
+                                        <p:cTn id="17" dur="500" fill="hold"/>
+                                        <p:tgtEl>
+                                          <p:spTgt spid="11"/>
+                                        </p:tgtEl>
+                                        <p:attrNameLst>
+                                          <p:attrName>ppt_x</p:attrName>
+                                        </p:attrNameLst>
+                                      </p:cBhvr>
+                                      <p:tavLst>
+                                        <p:tav tm="0">
+                                          <p:val>
+                                            <p:strVal val="0-#ppt_w/2"/>
+                                          </p:val>
+                                        </p:tav>
+                                        <p:tav tm="100000">
+                                          <p:val>
+                                            <p:strVal val="#ppt_x"/>
+                                          </p:val>
+                                        </p:tav>
+                                      </p:tavLst>
+                                    </p:anim>
+                                    <p:anim calcmode="lin" valueType="num">
+                                      <p:cBhvr additive="base">
+                                        <p:cTn id="18" dur="500" fill="hold"/>
+                                        <p:tgtEl>
+                                          <p:spTgt spid="11"/>
+                                        </p:tgtEl>
+                                        <p:attrNameLst>
+                                          <p:attrName>ppt_y</p:attrName>
+                                        </p:attrNameLst>
+                                      </p:cBhvr>
+                                      <p:tavLst>
+                                        <p:tav tm="0">
+                                          <p:val>
+                                            <p:strVal val="#ppt_y"/>
+                                          </p:val>
+                                        </p:tav>
+                                        <p:tav tm="100000">
+                                          <p:val>
+                                            <p:strVal val="#ppt_y"/>
+                                          </p:val>
+                                        </p:tav>
+                                      </p:tavLst>
+                                    </p:anim>
+                                  </p:childTnLst>
+                                </p:cTn>
+                              </p:par>
+                            </p:childTnLst>
+                          </p:cTn>
+                        </p:par>
+                        <p:par>
+                          <p:cTn id="19" fill="hold">
+                            <p:stCondLst>
+                              <p:cond delay="1500"/>
+                            </p:stCondLst>
+                            <p:childTnLst>
+                              <p:par>
+                                <p:cTn id="20" presetID="2" presetClass="entr" presetSubtype="8" fill="hold" nodeType="afterEffect">
+                                  <p:stCondLst>
+                                    <p:cond delay="0"/>
+                                  </p:stCondLst>
+                                  <p:childTnLst>
+                                    <p:set>
+                                      <p:cBhvr>
+                                        <p:cTn id="21" dur="1" fill="hold">
+                                          <p:stCondLst>
+                                            <p:cond delay="0"/>
+                                          </p:stCondLst>
+                                        </p:cTn>
+                                        <p:tgtEl>
+                                          <p:spTgt spid="10"/>
+                                        </p:tgtEl>
+                                        <p:attrNameLst>
+                                          <p:attrName>style.visibility</p:attrName>
+                                        </p:attrNameLst>
+                                      </p:cBhvr>
+                                      <p:to>
+                                        <p:strVal val="visible"/>
+                                      </p:to>
+                                    </p:set>
+                                    <p:anim calcmode="lin" valueType="num">
+                                      <p:cBhvr additive="base">
+                                        <p:cTn id="22" dur="500" fill="hold"/>
+                                        <p:tgtEl>
+                                          <p:spTgt spid="10"/>
+                                        </p:tgtEl>
+                                        <p:attrNameLst>
+                                          <p:attrName>ppt_x</p:attrName>
+                                        </p:attrNameLst>
+                                      </p:cBhvr>
+                                      <p:tavLst>
+                                        <p:tav tm="0">
+                                          <p:val>
+                                            <p:strVal val="0-#ppt_w/2"/>
+                                          </p:val>
+                                        </p:tav>
+                                        <p:tav tm="100000">
+                                          <p:val>
+                                            <p:strVal val="#ppt_x"/>
+                                          </p:val>
+                                        </p:tav>
+                                      </p:tavLst>
+                                    </p:anim>
+                                    <p:anim calcmode="lin" valueType="num">
+                                      <p:cBhvr additive="base">
+                                        <p:cTn id="23" dur="500" fill="hold"/>
+                                        <p:tgtEl>
+                                          <p:spTgt spid="10"/>
+                                        </p:tgtEl>
+                                        <p:attrNameLst>
+                                          <p:attrName>ppt_y</p:attrName>
+                                        </p:attrNameLst>
+                                      </p:cBhvr>
+                                      <p:tavLst>
+                                        <p:tav tm="0">
+                                          <p:val>
+                                            <p:strVal val="#ppt_y"/>
+                                          </p:val>
+                                        </p:tav>
+                                        <p:tav tm="100000">
+                                          <p:val>
+                                            <p:strVal val="#ppt_y"/>
+                                          </p:val>
+                                        </p:tav>
+                                      </p:tavLst>
+                                    </p:anim>
+                                  </p:childTnLst>
+                                </p:cTn>
+                              </p:par>
+                            </p:childTnLst>
+                          </p:cTn>
+                        </p:par>
+                        <p:par>
+                          <p:cTn id="24" fill="hold">
+                            <p:stCondLst>
+                              <p:cond delay="2000"/>
+                            </p:stCondLst>
+                            <p:childTnLst>
+                              <p:par>
+                                <p:cTn id="25" presetID="2" presetClass="entr" presetSubtype="2" fill="hold" nodeType="afterEffect">
+                                  <p:stCondLst>
+                                    <p:cond delay="0"/>
+                                  </p:stCondLst>
+                                  <p:childTnLst>
+                                    <p:set>
+                                      <p:cBhvr>
+                                        <p:cTn id="26" dur="1" fill="hold">
+                                          <p:stCondLst>
+                                            <p:cond delay="0"/>
+                                          </p:stCondLst>
+                                        </p:cTn>
+                                        <p:tgtEl>
+                                          <p:spTgt spid="13"/>
+                                        </p:tgtEl>
+                                        <p:attrNameLst>
+                                          <p:attrName>style.visibility</p:attrName>
+                                        </p:attrNameLst>
+                                      </p:cBhvr>
+                                      <p:to>
+                                        <p:strVal val="visible"/>
+                                      </p:to>
+                                    </p:set>
+                                    <p:anim calcmode="lin" valueType="num">
+                                      <p:cBhvr additive="base">
+                                        <p:cTn id="27" dur="500" fill="hold"/>
+                                        <p:tgtEl>
+                                          <p:spTgt spid="13"/>
+                                        </p:tgtEl>
+                                        <p:attrNameLst>
+                                          <p:attrName>ppt_x</p:attrName>
+                                        </p:attrNameLst>
+                                      </p:cBhvr>
+                                      <p:tavLst>
+                                        <p:tav tm="0">
+                                          <p:val>
+                                            <p:strVal val="1+#ppt_w/2"/>
+                                          </p:val>
+                                        </p:tav>
+                                        <p:tav tm="100000">
+                                          <p:val>
+                                            <p:strVal val="#ppt_x"/>
+                                          </p:val>
+                                        </p:tav>
+                                      </p:tavLst>
+                                    </p:anim>
+                                    <p:anim calcmode="lin" valueType="num">
+                                      <p:cBhvr additive="base">
+                                        <p:cTn id="28" dur="500" fill="hold"/>
+                                        <p:tgtEl>
+                                          <p:spTgt spid="13"/>
+                                        </p:tgtEl>
+                                        <p:attrNameLst>
+                                          <p:attrName>ppt_y</p:attrName>
+                                        </p:attrNameLst>
+                                      </p:cBhvr>
+                                      <p:tavLst>
+                                        <p:tav tm="0">
+                                          <p:val>
+                                            <p:strVal val="#ppt_y"/>
+                                          </p:val>
+                                        </p:tav>
+                                        <p:tav tm="100000">
+                                          <p:val>
+                                            <p:strVal val="#ppt_y"/>
+                                          </p:val>
+                                        </p:tav>
+                                      </p:tavLst>
+                                    </p:anim>
+                                  </p:childTnLst>
+                                </p:cTn>
+                              </p:par>
+                            </p:childTnLst>
+                          </p:cTn>
+                        </p:par>
+                        <p:par>
+                          <p:cTn id="29" fill="hold">
+                            <p:stCondLst>
+                              <p:cond delay="2500"/>
+                            </p:stCondLst>
+                            <p:childTnLst>
+                              <p:par>
+                                <p:cTn id="30" presetID="2" presetClass="entr" presetSubtype="2" fill="hold" nodeType="afterEffect">
+                                  <p:stCondLst>
+                                    <p:cond delay="0"/>
+                                  </p:stCondLst>
+                                  <p:childTnLst>
+                                    <p:set>
+                                      <p:cBhvr>
+                                        <p:cTn id="31" dur="1" fill="hold">
+                                          <p:stCondLst>
+                                            <p:cond delay="0"/>
+                                          </p:stCondLst>
+                                        </p:cTn>
+                                        <p:tgtEl>
+                                          <p:spTgt spid="15"/>
+                                        </p:tgtEl>
+                                        <p:attrNameLst>
+                                          <p:attrName>style.visibility</p:attrName>
+                                        </p:attrNameLst>
+                                      </p:cBhvr>
+                                      <p:to>
+                                        <p:strVal val="visible"/>
+                                      </p:to>
+                                    </p:set>
+                                    <p:anim calcmode="lin" valueType="num">
+                                      <p:cBhvr additive="base">
+                                        <p:cTn id="32" dur="500" fill="hold"/>
+                                        <p:tgtEl>
+                                          <p:spTgt spid="15"/>
+                                        </p:tgtEl>
+                                        <p:attrNameLst>
+                                          <p:attrName>ppt_x</p:attrName>
+                                        </p:attrNameLst>
+                                      </p:cBhvr>
+                                      <p:tavLst>
+                                        <p:tav tm="0">
+                                          <p:val>
+                                            <p:strVal val="1+#ppt_w/2"/>
+                                          </p:val>
+                                        </p:tav>
+                                        <p:tav tm="100000">
+                                          <p:val>
+                                            <p:strVal val="#ppt_x"/>
+                                          </p:val>
+                                        </p:tav>
+                                      </p:tavLst>
+                                    </p:anim>
+                                    <p:anim calcmode="lin" valueType="num">
+                                      <p:cBhvr additive="base">
+                                        <p:cTn id="33" dur="500" fill="hold"/>
+                                        <p:tgtEl>
+                                          <p:spTgt spid="15"/>
+                                        </p:tgtEl>
+                                        <p:attrNameLst>
+                                          <p:attrName>ppt_y</p:attrName>
+                                        </p:attrNameLst>
+                                      </p:cBhvr>
+                                      <p:tavLst>
+                                        <p:tav tm="0">
+                                          <p:val>
+                                            <p:strVal val="#ppt_y"/>
+                                          </p:val>
+                                        </p:tav>
+                                        <p:tav tm="100000">
+                                          <p:val>
+                                            <p:strVal val="#ppt_y"/>
+                                          </p:val>
+                                        </p:tav>
+                                      </p:tavLst>
+                                    </p:anim>
+                                  </p:childTnLst>
+                                </p:cTn>
+                              </p:par>
+                            </p:childTnLst>
+                          </p:cTn>
+                        </p:par>
+                        <p:par>
+                          <p:cTn id="34" fill="hold">
+                            <p:stCondLst>
+                              <p:cond delay="3000"/>
+                            </p:stCondLst>
+                            <p:childTnLst>
+                              <p:par>
+                                <p:cTn id="35" presetID="2" presetClass="entr" presetSubtype="1" fill="hold" grpId="0" nodeType="afterEffect">
+                                  <p:stCondLst>
+                                    <p:cond delay="0"/>
+                                  </p:stCondLst>
+                                  <p:childTnLst>
+                                    <p:set>
+                                      <p:cBhvr>
+                                        <p:cTn id="36" dur="1" fill="hold">
+                                          <p:stCondLst>
+                                            <p:cond delay="0"/>
+                                          </p:stCondLst>
+                                        </p:cTn>
+                                        <p:tgtEl>
+                                          <p:spTgt spid="8"/>
+                                        </p:tgtEl>
+                                        <p:attrNameLst>
+                                          <p:attrName>style.visibility</p:attrName>
+                                        </p:attrNameLst>
+                                      </p:cBhvr>
+                                      <p:to>
+                                        <p:strVal val="visible"/>
+                                      </p:to>
+                                    </p:set>
+                                    <p:anim calcmode="lin" valueType="num">
+                                      <p:cBhvr additive="base">
+                                        <p:cTn id="37" dur="500" fill="hold"/>
+                                        <p:tgtEl>
+                                          <p:spTgt spid="8"/>
+                                        </p:tgtEl>
+                                        <p:attrNameLst>
+                                          <p:attrName>ppt_x</p:attrName>
+                                        </p:attrNameLst>
+                                      </p:cBhvr>
+                                      <p:tavLst>
+                                        <p:tav tm="0">
+                                          <p:val>
+                                            <p:strVal val="#ppt_x"/>
+                                          </p:val>
+                                        </p:tav>
+                                        <p:tav tm="100000">
+                                          <p:val>
+                                            <p:strVal val="#ppt_x"/>
+                                          </p:val>
+                                        </p:tav>
+                                      </p:tavLst>
+                                    </p:anim>
+                                    <p:anim calcmode="lin" valueType="num">
+                                      <p:cBhvr additive="base">
+                                        <p:cTn id="38" dur="500" fill="hold"/>
+                                        <p:tgtEl>
+                                          <p:spTgt spid="8"/>
+                                        </p:tgtEl>
+                                        <p:attrNameLst>
+                                          <p:attrName>ppt_y</p:attrName>
+                                        </p:attrNameLst>
+                                      </p:cBhvr>
+                                      <p:tavLst>
+                                        <p:tav tm="0">
+                                          <p:val>
+                                            <p:strVal val="0-#ppt_h/2"/>
+                                          </p:val>
+                                        </p:tav>
+                                        <p:tav tm="100000">
+                                          <p:val>
+                                            <p:strVal val="#ppt_y"/>
+                                          </p:val>
+                                        </p:tav>
+                                      </p:tavLst>
+                                    </p:anim>
+                                  </p:childTnLst>
+                                </p:cTn>
+                              </p:par>
+                            </p:childTnLst>
+                          </p:cTn>
+                        </p:par>
                       </p:childTnLst>
                     </p:cTn>
                   </p:par>
@@ -4961,6 +6427,1079 @@
     </p:tnLst>
     <p:bldLst>
       <p:bldP spid="4" grpId="0" animBg="1"/>
+      <p:bldP spid="8" grpId="0"/>
+    </p:bldLst>
+  </p:timing>
+</p:sld>
+</file>
+
+<file path=ppt/slides/slide8.xml><?xml version="1.0" encoding="utf-8"?>
+<p:sld xmlns:a="http://schemas.openxmlformats.org/drawingml/2006/main" xmlns:r="http://schemas.openxmlformats.org/officeDocument/2006/relationships" xmlns:p="http://schemas.openxmlformats.org/presentationml/2006/main">
+  <p:cSld>
+    <p:spTree>
+      <p:nvGrpSpPr>
+        <p:cNvPr id="1" name=""/>
+        <p:cNvGrpSpPr/>
+        <p:nvPr/>
+      </p:nvGrpSpPr>
+      <p:grpSpPr>
+        <a:xfrm>
+          <a:off x="0" y="0"/>
+          <a:ext cx="0" cy="0"/>
+          <a:chOff x="0" y="0"/>
+          <a:chExt cx="0" cy="0"/>
+        </a:xfrm>
+      </p:grpSpPr>
+      <p:sp>
+        <p:nvSpPr>
+          <p:cNvPr id="4" name="Retângulo 3"/>
+          <p:cNvSpPr/>
+          <p:nvPr/>
+        </p:nvSpPr>
+        <p:spPr>
+          <a:xfrm>
+            <a:off x="0" y="0"/>
+            <a:ext cx="12192000" cy="1741714"/>
+          </a:xfrm>
+          <a:prstGeom prst="rect">
+            <a:avLst/>
+          </a:prstGeom>
+        </p:spPr>
+        <p:style>
+          <a:lnRef idx="2">
+            <a:schemeClr val="accent1">
+              <a:shade val="50000"/>
+            </a:schemeClr>
+          </a:lnRef>
+          <a:fillRef idx="1">
+            <a:schemeClr val="accent1"/>
+          </a:fillRef>
+          <a:effectRef idx="0">
+            <a:schemeClr val="accent1"/>
+          </a:effectRef>
+          <a:fontRef idx="minor">
+            <a:schemeClr val="lt1"/>
+          </a:fontRef>
+        </p:style>
+        <p:txBody>
+          <a:bodyPr rtlCol="0" anchor="ctr"/>
+          <a:lstStyle/>
+          <a:p>
+            <a:pPr algn="ctr"/>
+            <a:endParaRPr lang="pt-BR"/>
+          </a:p>
+        </p:txBody>
+      </p:sp>
+      <p:sp>
+        <p:nvSpPr>
+          <p:cNvPr id="2" name="Título 1"/>
+          <p:cNvSpPr>
+            <a:spLocks noGrp="1"/>
+          </p:cNvSpPr>
+          <p:nvPr>
+            <p:ph type="title"/>
+          </p:nvPr>
+        </p:nvSpPr>
+        <p:spPr/>
+        <p:txBody>
+          <a:bodyPr/>
+          <a:lstStyle/>
+          <a:p>
+            <a:pPr algn="ctr"/>
+            <a:r>
+              <a:rPr lang="pt-BR" dirty="0" err="1" smtClean="0">
+                <a:latin typeface="Javanese Text" panose="02000000000000000000" pitchFamily="2" charset="0"/>
+              </a:rPr>
+              <a:t>Wireframes</a:t>
+            </a:r>
+            <a:r>
+              <a:rPr lang="pt-BR" dirty="0">
+                <a:latin typeface="Javanese Text" panose="02000000000000000000" pitchFamily="2" charset="0"/>
+              </a:rPr>
+              <a:t/>
+            </a:r>
+            <a:br>
+              <a:rPr lang="pt-BR" dirty="0">
+                <a:latin typeface="Javanese Text" panose="02000000000000000000" pitchFamily="2" charset="0"/>
+              </a:rPr>
+            </a:br>
+            <a:endParaRPr lang="pt-BR" dirty="0"/>
+          </a:p>
+        </p:txBody>
+      </p:sp>
+      <p:pic>
+        <p:nvPicPr>
+          <p:cNvPr id="3" name="Imagem 2"/>
+          <p:cNvPicPr>
+            <a:picLocks noChangeAspect="1"/>
+          </p:cNvPicPr>
+          <p:nvPr/>
+        </p:nvPicPr>
+        <p:blipFill>
+          <a:blip r:embed="rId2" cstate="print">
+            <a:extLst>
+              <a:ext uri="{28A0092B-C50C-407E-A947-70E740481C1C}">
+                <a14:useLocalDpi xmlns:a14="http://schemas.microsoft.com/office/drawing/2010/main" val="0"/>
+              </a:ext>
+            </a:extLst>
+          </a:blip>
+          <a:stretch>
+            <a:fillRect/>
+          </a:stretch>
+        </p:blipFill>
+        <p:spPr>
+          <a:xfrm>
+            <a:off x="300188" y="1861168"/>
+            <a:ext cx="3622806" cy="2565175"/>
+          </a:xfrm>
+          <a:prstGeom prst="rect">
+            <a:avLst/>
+          </a:prstGeom>
+        </p:spPr>
+      </p:pic>
+      <p:pic>
+        <p:nvPicPr>
+          <p:cNvPr id="7" name="Imagem 6"/>
+          <p:cNvPicPr>
+            <a:picLocks noChangeAspect="1"/>
+          </p:cNvPicPr>
+          <p:nvPr/>
+        </p:nvPicPr>
+        <p:blipFill>
+          <a:blip r:embed="rId3" cstate="print">
+            <a:extLst>
+              <a:ext uri="{28A0092B-C50C-407E-A947-70E740481C1C}">
+                <a14:useLocalDpi xmlns:a14="http://schemas.microsoft.com/office/drawing/2010/main" val="0"/>
+              </a:ext>
+            </a:extLst>
+          </a:blip>
+          <a:stretch>
+            <a:fillRect/>
+          </a:stretch>
+        </p:blipFill>
+        <p:spPr>
+          <a:xfrm>
+            <a:off x="3922994" y="1861168"/>
+            <a:ext cx="3589291" cy="2550024"/>
+          </a:xfrm>
+          <a:prstGeom prst="rect">
+            <a:avLst/>
+          </a:prstGeom>
+        </p:spPr>
+      </p:pic>
+      <p:pic>
+        <p:nvPicPr>
+          <p:cNvPr id="8" name="Imagem 7"/>
+          <p:cNvPicPr>
+            <a:picLocks noChangeAspect="1"/>
+          </p:cNvPicPr>
+          <p:nvPr/>
+        </p:nvPicPr>
+        <p:blipFill>
+          <a:blip r:embed="rId4">
+            <a:extLst>
+              <a:ext uri="{28A0092B-C50C-407E-A947-70E740481C1C}">
+                <a14:useLocalDpi xmlns:a14="http://schemas.microsoft.com/office/drawing/2010/main" val="0"/>
+              </a:ext>
+            </a:extLst>
+          </a:blip>
+          <a:stretch>
+            <a:fillRect/>
+          </a:stretch>
+        </p:blipFill>
+        <p:spPr>
+          <a:xfrm>
+            <a:off x="8115806" y="1861168"/>
+            <a:ext cx="3321275" cy="2565175"/>
+          </a:xfrm>
+          <a:prstGeom prst="rect">
+            <a:avLst/>
+          </a:prstGeom>
+        </p:spPr>
+      </p:pic>
+      <p:pic>
+        <p:nvPicPr>
+          <p:cNvPr id="9" name="Imagem 8"/>
+          <p:cNvPicPr>
+            <a:picLocks noChangeAspect="1"/>
+          </p:cNvPicPr>
+          <p:nvPr/>
+        </p:nvPicPr>
+        <p:blipFill>
+          <a:blip r:embed="rId5" cstate="print">
+            <a:extLst>
+              <a:ext uri="{28A0092B-C50C-407E-A947-70E740481C1C}">
+                <a14:useLocalDpi xmlns:a14="http://schemas.microsoft.com/office/drawing/2010/main" val="0"/>
+              </a:ext>
+            </a:extLst>
+          </a:blip>
+          <a:stretch>
+            <a:fillRect/>
+          </a:stretch>
+        </p:blipFill>
+        <p:spPr>
+          <a:xfrm>
+            <a:off x="2169546" y="4639518"/>
+            <a:ext cx="2651565" cy="2060687"/>
+          </a:xfrm>
+          <a:prstGeom prst="rect">
+            <a:avLst/>
+          </a:prstGeom>
+        </p:spPr>
+      </p:pic>
+      <p:pic>
+        <p:nvPicPr>
+          <p:cNvPr id="10" name="Imagem 9"/>
+          <p:cNvPicPr>
+            <a:picLocks noChangeAspect="1"/>
+          </p:cNvPicPr>
+          <p:nvPr/>
+        </p:nvPicPr>
+        <p:blipFill>
+          <a:blip r:embed="rId6" cstate="print">
+            <a:extLst>
+              <a:ext uri="{28A0092B-C50C-407E-A947-70E740481C1C}">
+                <a14:useLocalDpi xmlns:a14="http://schemas.microsoft.com/office/drawing/2010/main" val="0"/>
+              </a:ext>
+            </a:extLst>
+          </a:blip>
+          <a:stretch>
+            <a:fillRect/>
+          </a:stretch>
+        </p:blipFill>
+        <p:spPr>
+          <a:xfrm>
+            <a:off x="6787607" y="4639518"/>
+            <a:ext cx="2988836" cy="2133306"/>
+          </a:xfrm>
+          <a:prstGeom prst="rect">
+            <a:avLst/>
+          </a:prstGeom>
+        </p:spPr>
+      </p:pic>
+    </p:spTree>
+    <p:extLst>
+      <p:ext uri="{BB962C8B-B14F-4D97-AF65-F5344CB8AC3E}">
+        <p14:creationId xmlns:p14="http://schemas.microsoft.com/office/powerpoint/2010/main" val="2573953135"/>
+      </p:ext>
+    </p:extLst>
+  </p:cSld>
+  <p:clrMapOvr>
+    <a:masterClrMapping/>
+  </p:clrMapOvr>
+  <p:timing>
+    <p:tnLst>
+      <p:par>
+        <p:cTn id="1" dur="indefinite" restart="never" nodeType="tmRoot">
+          <p:childTnLst>
+            <p:seq concurrent="1" nextAc="seek">
+              <p:cTn id="2" dur="indefinite" nodeType="mainSeq">
+                <p:childTnLst>
+                  <p:par>
+                    <p:cTn id="3" fill="hold">
+                      <p:stCondLst>
+                        <p:cond delay="indefinite"/>
+                      </p:stCondLst>
+                      <p:childTnLst>
+                        <p:par>
+                          <p:cTn id="4" fill="hold">
+                            <p:stCondLst>
+                              <p:cond delay="0"/>
+                            </p:stCondLst>
+                            <p:childTnLst>
+                              <p:par>
+                                <p:cTn id="5" presetID="2" presetClass="entr" presetSubtype="1" fill="hold" grpId="0" nodeType="clickEffect">
+                                  <p:stCondLst>
+                                    <p:cond delay="0"/>
+                                  </p:stCondLst>
+                                  <p:childTnLst>
+                                    <p:set>
+                                      <p:cBhvr>
+                                        <p:cTn id="6" dur="1" fill="hold">
+                                          <p:stCondLst>
+                                            <p:cond delay="0"/>
+                                          </p:stCondLst>
+                                        </p:cTn>
+                                        <p:tgtEl>
+                                          <p:spTgt spid="4"/>
+                                        </p:tgtEl>
+                                        <p:attrNameLst>
+                                          <p:attrName>style.visibility</p:attrName>
+                                        </p:attrNameLst>
+                                      </p:cBhvr>
+                                      <p:to>
+                                        <p:strVal val="visible"/>
+                                      </p:to>
+                                    </p:set>
+                                    <p:anim calcmode="lin" valueType="num">
+                                      <p:cBhvr additive="base">
+                                        <p:cTn id="7" dur="500" fill="hold"/>
+                                        <p:tgtEl>
+                                          <p:spTgt spid="4"/>
+                                        </p:tgtEl>
+                                        <p:attrNameLst>
+                                          <p:attrName>ppt_x</p:attrName>
+                                        </p:attrNameLst>
+                                      </p:cBhvr>
+                                      <p:tavLst>
+                                        <p:tav tm="0">
+                                          <p:val>
+                                            <p:strVal val="#ppt_x"/>
+                                          </p:val>
+                                        </p:tav>
+                                        <p:tav tm="100000">
+                                          <p:val>
+                                            <p:strVal val="#ppt_x"/>
+                                          </p:val>
+                                        </p:tav>
+                                      </p:tavLst>
+                                    </p:anim>
+                                    <p:anim calcmode="lin" valueType="num">
+                                      <p:cBhvr additive="base">
+                                        <p:cTn id="8" dur="500" fill="hold"/>
+                                        <p:tgtEl>
+                                          <p:spTgt spid="4"/>
+                                        </p:tgtEl>
+                                        <p:attrNameLst>
+                                          <p:attrName>ppt_y</p:attrName>
+                                        </p:attrNameLst>
+                                      </p:cBhvr>
+                                      <p:tavLst>
+                                        <p:tav tm="0">
+                                          <p:val>
+                                            <p:strVal val="0-#ppt_h/2"/>
+                                          </p:val>
+                                        </p:tav>
+                                        <p:tav tm="100000">
+                                          <p:val>
+                                            <p:strVal val="#ppt_y"/>
+                                          </p:val>
+                                        </p:tav>
+                                      </p:tavLst>
+                                    </p:anim>
+                                  </p:childTnLst>
+                                </p:cTn>
+                              </p:par>
+                            </p:childTnLst>
+                          </p:cTn>
+                        </p:par>
+                        <p:par>
+                          <p:cTn id="9" fill="hold">
+                            <p:stCondLst>
+                              <p:cond delay="500"/>
+                            </p:stCondLst>
+                            <p:childTnLst>
+                              <p:par>
+                                <p:cTn id="10" presetID="2" presetClass="entr" presetSubtype="1" fill="hold" grpId="0" nodeType="afterEffect">
+                                  <p:stCondLst>
+                                    <p:cond delay="0"/>
+                                  </p:stCondLst>
+                                  <p:childTnLst>
+                                    <p:set>
+                                      <p:cBhvr>
+                                        <p:cTn id="11" dur="1" fill="hold">
+                                          <p:stCondLst>
+                                            <p:cond delay="0"/>
+                                          </p:stCondLst>
+                                        </p:cTn>
+                                        <p:tgtEl>
+                                          <p:spTgt spid="2"/>
+                                        </p:tgtEl>
+                                        <p:attrNameLst>
+                                          <p:attrName>style.visibility</p:attrName>
+                                        </p:attrNameLst>
+                                      </p:cBhvr>
+                                      <p:to>
+                                        <p:strVal val="visible"/>
+                                      </p:to>
+                                    </p:set>
+                                    <p:anim calcmode="lin" valueType="num">
+                                      <p:cBhvr additive="base">
+                                        <p:cTn id="12" dur="500" fill="hold"/>
+                                        <p:tgtEl>
+                                          <p:spTgt spid="2"/>
+                                        </p:tgtEl>
+                                        <p:attrNameLst>
+                                          <p:attrName>ppt_x</p:attrName>
+                                        </p:attrNameLst>
+                                      </p:cBhvr>
+                                      <p:tavLst>
+                                        <p:tav tm="0">
+                                          <p:val>
+                                            <p:strVal val="#ppt_x"/>
+                                          </p:val>
+                                        </p:tav>
+                                        <p:tav tm="100000">
+                                          <p:val>
+                                            <p:strVal val="#ppt_x"/>
+                                          </p:val>
+                                        </p:tav>
+                                      </p:tavLst>
+                                    </p:anim>
+                                    <p:anim calcmode="lin" valueType="num">
+                                      <p:cBhvr additive="base">
+                                        <p:cTn id="13" dur="500" fill="hold"/>
+                                        <p:tgtEl>
+                                          <p:spTgt spid="2"/>
+                                        </p:tgtEl>
+                                        <p:attrNameLst>
+                                          <p:attrName>ppt_y</p:attrName>
+                                        </p:attrNameLst>
+                                      </p:cBhvr>
+                                      <p:tavLst>
+                                        <p:tav tm="0">
+                                          <p:val>
+                                            <p:strVal val="0-#ppt_h/2"/>
+                                          </p:val>
+                                        </p:tav>
+                                        <p:tav tm="100000">
+                                          <p:val>
+                                            <p:strVal val="#ppt_y"/>
+                                          </p:val>
+                                        </p:tav>
+                                      </p:tavLst>
+                                    </p:anim>
+                                  </p:childTnLst>
+                                </p:cTn>
+                              </p:par>
+                            </p:childTnLst>
+                          </p:cTn>
+                        </p:par>
+                        <p:par>
+                          <p:cTn id="14" fill="hold">
+                            <p:stCondLst>
+                              <p:cond delay="1000"/>
+                            </p:stCondLst>
+                            <p:childTnLst>
+                              <p:par>
+                                <p:cTn id="15" presetID="10" presetClass="entr" presetSubtype="0" fill="hold" nodeType="afterEffect">
+                                  <p:stCondLst>
+                                    <p:cond delay="0"/>
+                                  </p:stCondLst>
+                                  <p:childTnLst>
+                                    <p:set>
+                                      <p:cBhvr>
+                                        <p:cTn id="16" dur="1" fill="hold">
+                                          <p:stCondLst>
+                                            <p:cond delay="0"/>
+                                          </p:stCondLst>
+                                        </p:cTn>
+                                        <p:tgtEl>
+                                          <p:spTgt spid="3"/>
+                                        </p:tgtEl>
+                                        <p:attrNameLst>
+                                          <p:attrName>style.visibility</p:attrName>
+                                        </p:attrNameLst>
+                                      </p:cBhvr>
+                                      <p:to>
+                                        <p:strVal val="visible"/>
+                                      </p:to>
+                                    </p:set>
+                                    <p:animEffect transition="in" filter="fade">
+                                      <p:cBhvr>
+                                        <p:cTn id="17" dur="500"/>
+                                        <p:tgtEl>
+                                          <p:spTgt spid="3"/>
+                                        </p:tgtEl>
+                                      </p:cBhvr>
+                                    </p:animEffect>
+                                  </p:childTnLst>
+                                </p:cTn>
+                              </p:par>
+                            </p:childTnLst>
+                          </p:cTn>
+                        </p:par>
+                        <p:par>
+                          <p:cTn id="18" fill="hold">
+                            <p:stCondLst>
+                              <p:cond delay="1500"/>
+                            </p:stCondLst>
+                            <p:childTnLst>
+                              <p:par>
+                                <p:cTn id="19" presetID="10" presetClass="entr" presetSubtype="0" fill="hold" nodeType="afterEffect">
+                                  <p:stCondLst>
+                                    <p:cond delay="0"/>
+                                  </p:stCondLst>
+                                  <p:childTnLst>
+                                    <p:set>
+                                      <p:cBhvr>
+                                        <p:cTn id="20" dur="1" fill="hold">
+                                          <p:stCondLst>
+                                            <p:cond delay="0"/>
+                                          </p:stCondLst>
+                                        </p:cTn>
+                                        <p:tgtEl>
+                                          <p:spTgt spid="9"/>
+                                        </p:tgtEl>
+                                        <p:attrNameLst>
+                                          <p:attrName>style.visibility</p:attrName>
+                                        </p:attrNameLst>
+                                      </p:cBhvr>
+                                      <p:to>
+                                        <p:strVal val="visible"/>
+                                      </p:to>
+                                    </p:set>
+                                    <p:animEffect transition="in" filter="fade">
+                                      <p:cBhvr>
+                                        <p:cTn id="21" dur="500"/>
+                                        <p:tgtEl>
+                                          <p:spTgt spid="9"/>
+                                        </p:tgtEl>
+                                      </p:cBhvr>
+                                    </p:animEffect>
+                                  </p:childTnLst>
+                                </p:cTn>
+                              </p:par>
+                            </p:childTnLst>
+                          </p:cTn>
+                        </p:par>
+                        <p:par>
+                          <p:cTn id="22" fill="hold">
+                            <p:stCondLst>
+                              <p:cond delay="2000"/>
+                            </p:stCondLst>
+                            <p:childTnLst>
+                              <p:par>
+                                <p:cTn id="23" presetID="10" presetClass="entr" presetSubtype="0" fill="hold" nodeType="afterEffect">
+                                  <p:stCondLst>
+                                    <p:cond delay="0"/>
+                                  </p:stCondLst>
+                                  <p:childTnLst>
+                                    <p:set>
+                                      <p:cBhvr>
+                                        <p:cTn id="24" dur="1" fill="hold">
+                                          <p:stCondLst>
+                                            <p:cond delay="0"/>
+                                          </p:stCondLst>
+                                        </p:cTn>
+                                        <p:tgtEl>
+                                          <p:spTgt spid="7"/>
+                                        </p:tgtEl>
+                                        <p:attrNameLst>
+                                          <p:attrName>style.visibility</p:attrName>
+                                        </p:attrNameLst>
+                                      </p:cBhvr>
+                                      <p:to>
+                                        <p:strVal val="visible"/>
+                                      </p:to>
+                                    </p:set>
+                                    <p:animEffect transition="in" filter="fade">
+                                      <p:cBhvr>
+                                        <p:cTn id="25" dur="500"/>
+                                        <p:tgtEl>
+                                          <p:spTgt spid="7"/>
+                                        </p:tgtEl>
+                                      </p:cBhvr>
+                                    </p:animEffect>
+                                  </p:childTnLst>
+                                </p:cTn>
+                              </p:par>
+                            </p:childTnLst>
+                          </p:cTn>
+                        </p:par>
+                        <p:par>
+                          <p:cTn id="26" fill="hold">
+                            <p:stCondLst>
+                              <p:cond delay="2500"/>
+                            </p:stCondLst>
+                            <p:childTnLst>
+                              <p:par>
+                                <p:cTn id="27" presetID="10" presetClass="entr" presetSubtype="0" fill="hold" nodeType="afterEffect">
+                                  <p:stCondLst>
+                                    <p:cond delay="0"/>
+                                  </p:stCondLst>
+                                  <p:childTnLst>
+                                    <p:set>
+                                      <p:cBhvr>
+                                        <p:cTn id="28" dur="1" fill="hold">
+                                          <p:stCondLst>
+                                            <p:cond delay="0"/>
+                                          </p:stCondLst>
+                                        </p:cTn>
+                                        <p:tgtEl>
+                                          <p:spTgt spid="10"/>
+                                        </p:tgtEl>
+                                        <p:attrNameLst>
+                                          <p:attrName>style.visibility</p:attrName>
+                                        </p:attrNameLst>
+                                      </p:cBhvr>
+                                      <p:to>
+                                        <p:strVal val="visible"/>
+                                      </p:to>
+                                    </p:set>
+                                    <p:animEffect transition="in" filter="fade">
+                                      <p:cBhvr>
+                                        <p:cTn id="29" dur="500"/>
+                                        <p:tgtEl>
+                                          <p:spTgt spid="10"/>
+                                        </p:tgtEl>
+                                      </p:cBhvr>
+                                    </p:animEffect>
+                                  </p:childTnLst>
+                                </p:cTn>
+                              </p:par>
+                            </p:childTnLst>
+                          </p:cTn>
+                        </p:par>
+                        <p:par>
+                          <p:cTn id="30" fill="hold">
+                            <p:stCondLst>
+                              <p:cond delay="3000"/>
+                            </p:stCondLst>
+                            <p:childTnLst>
+                              <p:par>
+                                <p:cTn id="31" presetID="10" presetClass="entr" presetSubtype="0" fill="hold" nodeType="afterEffect">
+                                  <p:stCondLst>
+                                    <p:cond delay="0"/>
+                                  </p:stCondLst>
+                                  <p:childTnLst>
+                                    <p:set>
+                                      <p:cBhvr>
+                                        <p:cTn id="32" dur="1" fill="hold">
+                                          <p:stCondLst>
+                                            <p:cond delay="0"/>
+                                          </p:stCondLst>
+                                        </p:cTn>
+                                        <p:tgtEl>
+                                          <p:spTgt spid="8"/>
+                                        </p:tgtEl>
+                                        <p:attrNameLst>
+                                          <p:attrName>style.visibility</p:attrName>
+                                        </p:attrNameLst>
+                                      </p:cBhvr>
+                                      <p:to>
+                                        <p:strVal val="visible"/>
+                                      </p:to>
+                                    </p:set>
+                                    <p:animEffect transition="in" filter="fade">
+                                      <p:cBhvr>
+                                        <p:cTn id="33" dur="500"/>
+                                        <p:tgtEl>
+                                          <p:spTgt spid="8"/>
+                                        </p:tgtEl>
+                                      </p:cBhvr>
+                                    </p:animEffect>
+                                  </p:childTnLst>
+                                </p:cTn>
+                              </p:par>
+                            </p:childTnLst>
+                          </p:cTn>
+                        </p:par>
+                      </p:childTnLst>
+                    </p:cTn>
+                  </p:par>
+                </p:childTnLst>
+              </p:cTn>
+              <p:prevCondLst>
+                <p:cond evt="onPrev" delay="0">
+                  <p:tgtEl>
+                    <p:sldTgt/>
+                  </p:tgtEl>
+                </p:cond>
+              </p:prevCondLst>
+              <p:nextCondLst>
+                <p:cond evt="onNext" delay="0">
+                  <p:tgtEl>
+                    <p:sldTgt/>
+                  </p:tgtEl>
+                </p:cond>
+              </p:nextCondLst>
+            </p:seq>
+          </p:childTnLst>
+        </p:cTn>
+      </p:par>
+    </p:tnLst>
+    <p:bldLst>
+      <p:bldP spid="4" grpId="0" animBg="1"/>
+      <p:bldP spid="2" grpId="0"/>
+    </p:bldLst>
+  </p:timing>
+</p:sld>
+</file>
+
+<file path=ppt/slides/slide9.xml><?xml version="1.0" encoding="utf-8"?>
+<p:sld xmlns:a="http://schemas.openxmlformats.org/drawingml/2006/main" xmlns:r="http://schemas.openxmlformats.org/officeDocument/2006/relationships" xmlns:p="http://schemas.openxmlformats.org/presentationml/2006/main">
+  <p:cSld>
+    <p:spTree>
+      <p:nvGrpSpPr>
+        <p:cNvPr id="1" name=""/>
+        <p:cNvGrpSpPr/>
+        <p:nvPr/>
+      </p:nvGrpSpPr>
+      <p:grpSpPr>
+        <a:xfrm>
+          <a:off x="0" y="0"/>
+          <a:ext cx="0" cy="0"/>
+          <a:chOff x="0" y="0"/>
+          <a:chExt cx="0" cy="0"/>
+        </a:xfrm>
+      </p:grpSpPr>
+      <p:sp>
+        <p:nvSpPr>
+          <p:cNvPr id="4" name="Retângulo 3"/>
+          <p:cNvSpPr/>
+          <p:nvPr/>
+        </p:nvSpPr>
+        <p:spPr>
+          <a:xfrm>
+            <a:off x="0" y="0"/>
+            <a:ext cx="12192000" cy="1741714"/>
+          </a:xfrm>
+          <a:prstGeom prst="rect">
+            <a:avLst/>
+          </a:prstGeom>
+        </p:spPr>
+        <p:style>
+          <a:lnRef idx="2">
+            <a:schemeClr val="accent1">
+              <a:shade val="50000"/>
+            </a:schemeClr>
+          </a:lnRef>
+          <a:fillRef idx="1">
+            <a:schemeClr val="accent1"/>
+          </a:fillRef>
+          <a:effectRef idx="0">
+            <a:schemeClr val="accent1"/>
+          </a:effectRef>
+          <a:fontRef idx="minor">
+            <a:schemeClr val="lt1"/>
+          </a:fontRef>
+        </p:style>
+        <p:txBody>
+          <a:bodyPr rtlCol="0" anchor="ctr"/>
+          <a:lstStyle/>
+          <a:p>
+            <a:pPr algn="ctr"/>
+            <a:endParaRPr lang="pt-BR"/>
+          </a:p>
+        </p:txBody>
+      </p:sp>
+      <p:sp>
+        <p:nvSpPr>
+          <p:cNvPr id="2" name="Título 1"/>
+          <p:cNvSpPr>
+            <a:spLocks noGrp="1"/>
+          </p:cNvSpPr>
+          <p:nvPr>
+            <p:ph type="title"/>
+          </p:nvPr>
+        </p:nvSpPr>
+        <p:spPr/>
+        <p:txBody>
+          <a:bodyPr/>
+          <a:lstStyle/>
+          <a:p>
+            <a:pPr algn="ctr"/>
+            <a:r>
+              <a:rPr lang="pt-BR" dirty="0" smtClean="0">
+                <a:latin typeface="Javanese Text" panose="02000000000000000000" pitchFamily="2" charset="0"/>
+              </a:rPr>
+              <a:t>Modelagem do banco</a:t>
+            </a:r>
+            <a:r>
+              <a:rPr lang="pt-BR" dirty="0">
+                <a:latin typeface="Javanese Text" panose="02000000000000000000" pitchFamily="2" charset="0"/>
+              </a:rPr>
+              <a:t/>
+            </a:r>
+            <a:br>
+              <a:rPr lang="pt-BR" dirty="0">
+                <a:latin typeface="Javanese Text" panose="02000000000000000000" pitchFamily="2" charset="0"/>
+              </a:rPr>
+            </a:br>
+            <a:endParaRPr lang="pt-BR" dirty="0"/>
+          </a:p>
+        </p:txBody>
+      </p:sp>
+      <p:pic>
+        <p:nvPicPr>
+          <p:cNvPr id="5" name="Imagem 4"/>
+          <p:cNvPicPr>
+            <a:picLocks noChangeAspect="1"/>
+          </p:cNvPicPr>
+          <p:nvPr/>
+        </p:nvPicPr>
+        <p:blipFill>
+          <a:blip r:embed="rId2">
+            <a:extLst>
+              <a:ext uri="{28A0092B-C50C-407E-A947-70E740481C1C}">
+                <a14:useLocalDpi xmlns:a14="http://schemas.microsoft.com/office/drawing/2010/main" val="0"/>
+              </a:ext>
+            </a:extLst>
+          </a:blip>
+          <a:stretch>
+            <a:fillRect/>
+          </a:stretch>
+        </p:blipFill>
+        <p:spPr>
+          <a:xfrm>
+            <a:off x="2520772" y="2167498"/>
+            <a:ext cx="7150456" cy="4277808"/>
+          </a:xfrm>
+          <a:prstGeom prst="rect">
+            <a:avLst/>
+          </a:prstGeom>
+        </p:spPr>
+      </p:pic>
+    </p:spTree>
+    <p:extLst>
+      <p:ext uri="{BB962C8B-B14F-4D97-AF65-F5344CB8AC3E}">
+        <p14:creationId xmlns:p14="http://schemas.microsoft.com/office/powerpoint/2010/main" val="1568630708"/>
+      </p:ext>
+    </p:extLst>
+  </p:cSld>
+  <p:clrMapOvr>
+    <a:masterClrMapping/>
+  </p:clrMapOvr>
+  <p:timing>
+    <p:tnLst>
+      <p:par>
+        <p:cTn id="1" dur="indefinite" restart="never" nodeType="tmRoot">
+          <p:childTnLst>
+            <p:seq concurrent="1" nextAc="seek">
+              <p:cTn id="2" dur="indefinite" nodeType="mainSeq">
+                <p:childTnLst>
+                  <p:par>
+                    <p:cTn id="3" fill="hold">
+                      <p:stCondLst>
+                        <p:cond delay="indefinite"/>
+                      </p:stCondLst>
+                      <p:childTnLst>
+                        <p:par>
+                          <p:cTn id="4" fill="hold">
+                            <p:stCondLst>
+                              <p:cond delay="0"/>
+                            </p:stCondLst>
+                            <p:childTnLst>
+                              <p:par>
+                                <p:cTn id="5" presetID="2" presetClass="entr" presetSubtype="1" fill="hold" grpId="0" nodeType="clickEffect">
+                                  <p:stCondLst>
+                                    <p:cond delay="0"/>
+                                  </p:stCondLst>
+                                  <p:childTnLst>
+                                    <p:set>
+                                      <p:cBhvr>
+                                        <p:cTn id="6" dur="1" fill="hold">
+                                          <p:stCondLst>
+                                            <p:cond delay="0"/>
+                                          </p:stCondLst>
+                                        </p:cTn>
+                                        <p:tgtEl>
+                                          <p:spTgt spid="4"/>
+                                        </p:tgtEl>
+                                        <p:attrNameLst>
+                                          <p:attrName>style.visibility</p:attrName>
+                                        </p:attrNameLst>
+                                      </p:cBhvr>
+                                      <p:to>
+                                        <p:strVal val="visible"/>
+                                      </p:to>
+                                    </p:set>
+                                    <p:anim calcmode="lin" valueType="num">
+                                      <p:cBhvr additive="base">
+                                        <p:cTn id="7" dur="500" fill="hold"/>
+                                        <p:tgtEl>
+                                          <p:spTgt spid="4"/>
+                                        </p:tgtEl>
+                                        <p:attrNameLst>
+                                          <p:attrName>ppt_x</p:attrName>
+                                        </p:attrNameLst>
+                                      </p:cBhvr>
+                                      <p:tavLst>
+                                        <p:tav tm="0">
+                                          <p:val>
+                                            <p:strVal val="#ppt_x"/>
+                                          </p:val>
+                                        </p:tav>
+                                        <p:tav tm="100000">
+                                          <p:val>
+                                            <p:strVal val="#ppt_x"/>
+                                          </p:val>
+                                        </p:tav>
+                                      </p:tavLst>
+                                    </p:anim>
+                                    <p:anim calcmode="lin" valueType="num">
+                                      <p:cBhvr additive="base">
+                                        <p:cTn id="8" dur="500" fill="hold"/>
+                                        <p:tgtEl>
+                                          <p:spTgt spid="4"/>
+                                        </p:tgtEl>
+                                        <p:attrNameLst>
+                                          <p:attrName>ppt_y</p:attrName>
+                                        </p:attrNameLst>
+                                      </p:cBhvr>
+                                      <p:tavLst>
+                                        <p:tav tm="0">
+                                          <p:val>
+                                            <p:strVal val="0-#ppt_h/2"/>
+                                          </p:val>
+                                        </p:tav>
+                                        <p:tav tm="100000">
+                                          <p:val>
+                                            <p:strVal val="#ppt_y"/>
+                                          </p:val>
+                                        </p:tav>
+                                      </p:tavLst>
+                                    </p:anim>
+                                  </p:childTnLst>
+                                </p:cTn>
+                              </p:par>
+                            </p:childTnLst>
+                          </p:cTn>
+                        </p:par>
+                        <p:par>
+                          <p:cTn id="9" fill="hold">
+                            <p:stCondLst>
+                              <p:cond delay="500"/>
+                            </p:stCondLst>
+                            <p:childTnLst>
+                              <p:par>
+                                <p:cTn id="10" presetID="2" presetClass="entr" presetSubtype="1" fill="hold" grpId="0" nodeType="afterEffect">
+                                  <p:stCondLst>
+                                    <p:cond delay="0"/>
+                                  </p:stCondLst>
+                                  <p:childTnLst>
+                                    <p:set>
+                                      <p:cBhvr>
+                                        <p:cTn id="11" dur="1" fill="hold">
+                                          <p:stCondLst>
+                                            <p:cond delay="0"/>
+                                          </p:stCondLst>
+                                        </p:cTn>
+                                        <p:tgtEl>
+                                          <p:spTgt spid="2"/>
+                                        </p:tgtEl>
+                                        <p:attrNameLst>
+                                          <p:attrName>style.visibility</p:attrName>
+                                        </p:attrNameLst>
+                                      </p:cBhvr>
+                                      <p:to>
+                                        <p:strVal val="visible"/>
+                                      </p:to>
+                                    </p:set>
+                                    <p:anim calcmode="lin" valueType="num">
+                                      <p:cBhvr additive="base">
+                                        <p:cTn id="12" dur="500" fill="hold"/>
+                                        <p:tgtEl>
+                                          <p:spTgt spid="2"/>
+                                        </p:tgtEl>
+                                        <p:attrNameLst>
+                                          <p:attrName>ppt_x</p:attrName>
+                                        </p:attrNameLst>
+                                      </p:cBhvr>
+                                      <p:tavLst>
+                                        <p:tav tm="0">
+                                          <p:val>
+                                            <p:strVal val="#ppt_x"/>
+                                          </p:val>
+                                        </p:tav>
+                                        <p:tav tm="100000">
+                                          <p:val>
+                                            <p:strVal val="#ppt_x"/>
+                                          </p:val>
+                                        </p:tav>
+                                      </p:tavLst>
+                                    </p:anim>
+                                    <p:anim calcmode="lin" valueType="num">
+                                      <p:cBhvr additive="base">
+                                        <p:cTn id="13" dur="500" fill="hold"/>
+                                        <p:tgtEl>
+                                          <p:spTgt spid="2"/>
+                                        </p:tgtEl>
+                                        <p:attrNameLst>
+                                          <p:attrName>ppt_y</p:attrName>
+                                        </p:attrNameLst>
+                                      </p:cBhvr>
+                                      <p:tavLst>
+                                        <p:tav tm="0">
+                                          <p:val>
+                                            <p:strVal val="0-#ppt_h/2"/>
+                                          </p:val>
+                                        </p:tav>
+                                        <p:tav tm="100000">
+                                          <p:val>
+                                            <p:strVal val="#ppt_y"/>
+                                          </p:val>
+                                        </p:tav>
+                                      </p:tavLst>
+                                    </p:anim>
+                                  </p:childTnLst>
+                                </p:cTn>
+                              </p:par>
+                            </p:childTnLst>
+                          </p:cTn>
+                        </p:par>
+                        <p:par>
+                          <p:cTn id="14" fill="hold">
+                            <p:stCondLst>
+                              <p:cond delay="1000"/>
+                            </p:stCondLst>
+                            <p:childTnLst>
+                              <p:par>
+                                <p:cTn id="15" presetID="10" presetClass="entr" presetSubtype="0" fill="hold" nodeType="afterEffect">
+                                  <p:stCondLst>
+                                    <p:cond delay="0"/>
+                                  </p:stCondLst>
+                                  <p:childTnLst>
+                                    <p:set>
+                                      <p:cBhvr>
+                                        <p:cTn id="16" dur="1" fill="hold">
+                                          <p:stCondLst>
+                                            <p:cond delay="0"/>
+                                          </p:stCondLst>
+                                        </p:cTn>
+                                        <p:tgtEl>
+                                          <p:spTgt spid="5"/>
+                                        </p:tgtEl>
+                                        <p:attrNameLst>
+                                          <p:attrName>style.visibility</p:attrName>
+                                        </p:attrNameLst>
+                                      </p:cBhvr>
+                                      <p:to>
+                                        <p:strVal val="visible"/>
+                                      </p:to>
+                                    </p:set>
+                                    <p:animEffect transition="in" filter="fade">
+                                      <p:cBhvr>
+                                        <p:cTn id="17" dur="500"/>
+                                        <p:tgtEl>
+                                          <p:spTgt spid="5"/>
+                                        </p:tgtEl>
+                                      </p:cBhvr>
+                                    </p:animEffect>
+                                  </p:childTnLst>
+                                </p:cTn>
+                              </p:par>
+                            </p:childTnLst>
+                          </p:cTn>
+                        </p:par>
+                      </p:childTnLst>
+                    </p:cTn>
+                  </p:par>
+                </p:childTnLst>
+              </p:cTn>
+              <p:prevCondLst>
+                <p:cond evt="onPrev" delay="0">
+                  <p:tgtEl>
+                    <p:sldTgt/>
+                  </p:tgtEl>
+                </p:cond>
+              </p:prevCondLst>
+              <p:nextCondLst>
+                <p:cond evt="onNext" delay="0">
+                  <p:tgtEl>
+                    <p:sldTgt/>
+                  </p:tgtEl>
+                </p:cond>
+              </p:nextCondLst>
+            </p:seq>
+          </p:childTnLst>
+        </p:cTn>
+      </p:par>
+    </p:tnLst>
+    <p:bldLst>
+      <p:bldP spid="4" grpId="0" animBg="1"/>
+      <p:bldP spid="2" grpId="0"/>
     </p:bldLst>
   </p:timing>
 </p:sld>

--- a/documentacao/Apresentação Final.pptx
+++ b/documentacao/Apresentação Final.pptx
@@ -4411,7 +4411,7 @@
         </p:nvSpPr>
         <p:spPr>
           <a:xfrm>
-            <a:off x="145913" y="3455775"/>
+            <a:off x="145913" y="1942564"/>
             <a:ext cx="11900173" cy="1325563"/>
           </a:xfrm>
         </p:spPr>
@@ -4432,6 +4432,142 @@
           </a:p>
         </p:txBody>
       </p:sp>
+      <p:sp>
+        <p:nvSpPr>
+          <p:cNvPr id="7" name="Título 1"/>
+          <p:cNvSpPr txBox="1">
+            <a:spLocks/>
+          </p:cNvSpPr>
+          <p:nvPr/>
+        </p:nvSpPr>
+        <p:spPr>
+          <a:xfrm>
+            <a:off x="145913" y="3608175"/>
+            <a:ext cx="11900173" cy="1325563"/>
+          </a:xfrm>
+          <a:prstGeom prst="rect">
+            <a:avLst/>
+          </a:prstGeom>
+        </p:spPr>
+        <p:txBody>
+          <a:bodyPr vert="horz" lIns="91440" tIns="45720" rIns="91440" bIns="45720" rtlCol="0" anchor="ctr">
+            <a:normAutofit/>
+          </a:bodyPr>
+          <a:lstStyle>
+            <a:lvl1pPr algn="l" defTabSz="914400" rtl="0" eaLnBrk="1" latinLnBrk="0" hangingPunct="1">
+              <a:lnSpc>
+                <a:spcPct val="90000"/>
+              </a:lnSpc>
+              <a:spcBef>
+                <a:spcPct val="0"/>
+              </a:spcBef>
+              <a:buNone/>
+              <a:defRPr sz="4400" kern="1200">
+                <a:solidFill>
+                  <a:schemeClr val="tx1"/>
+                </a:solidFill>
+                <a:latin typeface="+mj-lt"/>
+                <a:ea typeface="+mj-ea"/>
+                <a:cs typeface="+mj-cs"/>
+              </a:defRPr>
+            </a:lvl1pPr>
+          </a:lstStyle>
+          <a:p>
+            <a:pPr algn="ctr"/>
+            <a:r>
+              <a:rPr lang="pt-BR" sz="3200" dirty="0" smtClean="0">
+                <a:latin typeface="Javanese Text" panose="02000000000000000000" pitchFamily="2" charset="0"/>
+              </a:rPr>
+              <a:t>Viemos para intermediar e tornar a troca de serviços e comunicação uma tarefa mais simples e segura de se realizar. </a:t>
+            </a:r>
+            <a:endParaRPr lang="pt-BR" sz="3200" dirty="0">
+              <a:latin typeface="Javanese Text" panose="02000000000000000000" pitchFamily="2" charset="0"/>
+            </a:endParaRPr>
+          </a:p>
+        </p:txBody>
+      </p:sp>
+      <p:pic>
+        <p:nvPicPr>
+          <p:cNvPr id="1026" name="Picture 2" descr="Rede Sinal Verde | LinkedIn"/>
+          <p:cNvPicPr>
+            <a:picLocks noChangeAspect="1" noChangeArrowheads="1"/>
+          </p:cNvPicPr>
+          <p:nvPr/>
+        </p:nvPicPr>
+        <p:blipFill>
+          <a:blip r:embed="rId4">
+            <a:extLst>
+              <a:ext uri="{28A0092B-C50C-407E-A947-70E740481C1C}">
+                <a14:useLocalDpi xmlns:a14="http://schemas.microsoft.com/office/drawing/2010/main" val="0"/>
+              </a:ext>
+            </a:extLst>
+          </a:blip>
+          <a:srcRect/>
+          <a:stretch>
+            <a:fillRect/>
+          </a:stretch>
+        </p:blipFill>
+        <p:spPr bwMode="auto">
+          <a:xfrm>
+            <a:off x="722017" y="4725749"/>
+            <a:ext cx="1905000" cy="1905000"/>
+          </a:xfrm>
+          <a:prstGeom prst="rect">
+            <a:avLst/>
+          </a:prstGeom>
+          <a:noFill/>
+          <a:extLst>
+            <a:ext uri="{909E8E84-426E-40DD-AFC4-6F175D3DCCD1}">
+              <a14:hiddenFill xmlns:a14="http://schemas.microsoft.com/office/drawing/2010/main">
+                <a:solidFill>
+                  <a:srgbClr val="FFFFFF"/>
+                </a:solidFill>
+              </a14:hiddenFill>
+            </a:ext>
+          </a:extLst>
+        </p:spPr>
+      </p:pic>
+      <p:pic>
+        <p:nvPicPr>
+          <p:cNvPr id="1030" name="Picture 6" descr="Por que &amp;quot;Exterminador do Futuro&amp;quot; é a melhor franquia da história. Ou não -  04/07/2015 - UOL Entretenimento"/>
+          <p:cNvPicPr>
+            <a:picLocks noChangeAspect="1" noChangeArrowheads="1"/>
+          </p:cNvPicPr>
+          <p:nvPr/>
+        </p:nvPicPr>
+        <p:blipFill>
+          <a:blip r:embed="rId5">
+            <a:extLst>
+              <a:ext uri="{28A0092B-C50C-407E-A947-70E740481C1C}">
+                <a14:useLocalDpi xmlns:a14="http://schemas.microsoft.com/office/drawing/2010/main" val="0"/>
+              </a:ext>
+            </a:extLst>
+          </a:blip>
+          <a:srcRect/>
+          <a:stretch>
+            <a:fillRect/>
+          </a:stretch>
+        </p:blipFill>
+        <p:spPr bwMode="auto">
+          <a:xfrm>
+            <a:off x="7897828" y="4725749"/>
+            <a:ext cx="3707220" cy="1808400"/>
+          </a:xfrm>
+          <a:prstGeom prst="rect">
+            <a:avLst/>
+          </a:prstGeom>
+          <a:noFill/>
+          <a:extLst>
+            <a:ext uri="{909E8E84-426E-40DD-AFC4-6F175D3DCCD1}">
+              <a14:hiddenFill xmlns:a14="http://schemas.microsoft.com/office/drawing/2010/main">
+                <a:solidFill>
+                  <a:srgbClr val="FFFFFF"/>
+                </a:solidFill>
+              </a14:hiddenFill>
+            </a:ext>
+          </a:extLst>
+        </p:spPr>
+      </p:pic>
     </p:spTree>
     <p:extLst>
       <p:ext uri="{BB962C8B-B14F-4D97-AF65-F5344CB8AC3E}">

--- a/documentacao/Apresentação Final.pptx
+++ b/documentacao/Apresentação Final.pptx
@@ -4671,26 +4671,35 @@
                                   </p:childTnLst>
                                 </p:cTn>
                               </p:par>
-                            </p:childTnLst>
-                          </p:cTn>
-                        </p:par>
-                      </p:childTnLst>
-                    </p:cTn>
-                  </p:par>
-                  <p:par>
-                    <p:cTn id="9" fill="hold">
-                      <p:stCondLst>
-                        <p:cond delay="indefinite"/>
-                      </p:stCondLst>
-                      <p:childTnLst>
-                        <p:par>
-                          <p:cTn id="10" fill="hold">
-                            <p:stCondLst>
-                              <p:cond delay="0"/>
-                            </p:stCondLst>
-                            <p:childTnLst>
                               <p:par>
-                                <p:cTn id="11" presetID="1" presetClass="entr" presetSubtype="0" fill="hold" nodeType="clickEffect">
+                                <p:cTn id="9" presetID="1" presetClass="entr" presetSubtype="0" fill="hold" nodeType="withEffect">
+                                  <p:stCondLst>
+                                    <p:cond delay="0"/>
+                                  </p:stCondLst>
+                                  <p:childTnLst>
+                                    <p:set>
+                                      <p:cBhvr>
+                                        <p:cTn id="10" dur="1" fill="hold">
+                                          <p:stCondLst>
+                                            <p:cond delay="0"/>
+                                          </p:stCondLst>
+                                        </p:cTn>
+                                        <p:tgtEl>
+                                          <p:spTgt spid="5"/>
+                                        </p:tgtEl>
+                                        <p:attrNameLst>
+                                          <p:attrName>style.visibility</p:attrName>
+                                        </p:attrNameLst>
+                                      </p:cBhvr>
+                                      <p:to>
+                                        <p:strVal val="visible"/>
+                                      </p:to>
+                                    </p:set>
+                                  </p:childTnLst>
+                                </p:cTn>
+                              </p:par>
+                              <p:par>
+                                <p:cTn id="11" presetID="2" presetClass="entr" presetSubtype="1" fill="hold" grpId="0" nodeType="withEffect">
                                   <p:stCondLst>
                                     <p:cond delay="0"/>
                                   </p:stCondLst>
@@ -4703,7 +4712,7 @@
                                           </p:stCondLst>
                                         </p:cTn>
                                         <p:tgtEl>
-                                          <p:spTgt spid="5"/>
+                                          <p:spTgt spid="6"/>
                                         </p:tgtEl>
                                         <p:attrNameLst>
                                           <p:attrName>style.visibility</p:attrName>
@@ -4713,6 +4722,157 @@
                                         <p:strVal val="visible"/>
                                       </p:to>
                                     </p:set>
+                                    <p:anim calcmode="lin" valueType="num">
+                                      <p:cBhvr additive="base">
+                                        <p:cTn id="13" dur="500" fill="hold"/>
+                                        <p:tgtEl>
+                                          <p:spTgt spid="6"/>
+                                        </p:tgtEl>
+                                        <p:attrNameLst>
+                                          <p:attrName>ppt_x</p:attrName>
+                                        </p:attrNameLst>
+                                      </p:cBhvr>
+                                      <p:tavLst>
+                                        <p:tav tm="0">
+                                          <p:val>
+                                            <p:strVal val="#ppt_x"/>
+                                          </p:val>
+                                        </p:tav>
+                                        <p:tav tm="100000">
+                                          <p:val>
+                                            <p:strVal val="#ppt_x"/>
+                                          </p:val>
+                                        </p:tav>
+                                      </p:tavLst>
+                                    </p:anim>
+                                    <p:anim calcmode="lin" valueType="num">
+                                      <p:cBhvr additive="base">
+                                        <p:cTn id="14" dur="500" fill="hold"/>
+                                        <p:tgtEl>
+                                          <p:spTgt spid="6"/>
+                                        </p:tgtEl>
+                                        <p:attrNameLst>
+                                          <p:attrName>ppt_y</p:attrName>
+                                        </p:attrNameLst>
+                                      </p:cBhvr>
+                                      <p:tavLst>
+                                        <p:tav tm="0">
+                                          <p:val>
+                                            <p:strVal val="0-#ppt_h/2"/>
+                                          </p:val>
+                                        </p:tav>
+                                        <p:tav tm="100000">
+                                          <p:val>
+                                            <p:strVal val="#ppt_y"/>
+                                          </p:val>
+                                        </p:tav>
+                                      </p:tavLst>
+                                    </p:anim>
+                                  </p:childTnLst>
+                                </p:cTn>
+                              </p:par>
+                              <p:par>
+                                <p:cTn id="15" presetID="10" presetClass="entr" presetSubtype="0" fill="hold" grpId="0" nodeType="withEffect">
+                                  <p:stCondLst>
+                                    <p:cond delay="0"/>
+                                  </p:stCondLst>
+                                  <p:childTnLst>
+                                    <p:set>
+                                      <p:cBhvr>
+                                        <p:cTn id="16" dur="1" fill="hold">
+                                          <p:stCondLst>
+                                            <p:cond delay="0"/>
+                                          </p:stCondLst>
+                                        </p:cTn>
+                                        <p:tgtEl>
+                                          <p:spTgt spid="7"/>
+                                        </p:tgtEl>
+                                        <p:attrNameLst>
+                                          <p:attrName>style.visibility</p:attrName>
+                                        </p:attrNameLst>
+                                      </p:cBhvr>
+                                      <p:to>
+                                        <p:strVal val="visible"/>
+                                      </p:to>
+                                    </p:set>
+                                    <p:animEffect transition="in" filter="fade">
+                                      <p:cBhvr>
+                                        <p:cTn id="17" dur="500"/>
+                                        <p:tgtEl>
+                                          <p:spTgt spid="7"/>
+                                        </p:tgtEl>
+                                      </p:cBhvr>
+                                    </p:animEffect>
+                                  </p:childTnLst>
+                                </p:cTn>
+                              </p:par>
+                              <p:par>
+                                <p:cTn id="18" presetID="10" presetClass="entr" presetSubtype="0" fill="hold" nodeType="withEffect">
+                                  <p:stCondLst>
+                                    <p:cond delay="0"/>
+                                  </p:stCondLst>
+                                  <p:childTnLst>
+                                    <p:set>
+                                      <p:cBhvr>
+                                        <p:cTn id="19" dur="1" fill="hold">
+                                          <p:stCondLst>
+                                            <p:cond delay="0"/>
+                                          </p:stCondLst>
+                                        </p:cTn>
+                                        <p:tgtEl>
+                                          <p:spTgt spid="1026"/>
+                                        </p:tgtEl>
+                                        <p:attrNameLst>
+                                          <p:attrName>style.visibility</p:attrName>
+                                        </p:attrNameLst>
+                                      </p:cBhvr>
+                                      <p:to>
+                                        <p:strVal val="visible"/>
+                                      </p:to>
+                                    </p:set>
+                                    <p:animEffect transition="in" filter="fade">
+                                      <p:cBhvr>
+                                        <p:cTn id="20" dur="500"/>
+                                        <p:tgtEl>
+                                          <p:spTgt spid="1026"/>
+                                        </p:tgtEl>
+                                      </p:cBhvr>
+                                    </p:animEffect>
+                                  </p:childTnLst>
+                                </p:cTn>
+                              </p:par>
+                              <p:par>
+                                <p:cTn id="21" presetID="10" presetClass="entr" presetSubtype="0" fill="hold" nodeType="withEffect">
+                                  <p:stCondLst>
+                                    <p:cond delay="0"/>
+                                  </p:stCondLst>
+                                  <p:childTnLst>
+                                    <p:set>
+                                      <p:cBhvr>
+                                        <p:cTn id="22" dur="1" fill="hold">
+                                          <p:stCondLst>
+                                            <p:cond delay="0"/>
+                                          </p:stCondLst>
+                                        </p:cTn>
+                                        <p:tgtEl>
+                                          <p:spTgt spid="1030"/>
+                                        </p:tgtEl>
+                                        <p:attrNameLst>
+                                          <p:attrName>style.visibility</p:attrName>
+                                        </p:attrNameLst>
+                                      </p:cBhvr>
+                                      <p:to>
+                                        <p:strVal val="visible"/>
+                                      </p:to>
+                                    </p:set>
+                                    <p:animEffect transition="in" filter="fade">
+                                      <p:cBhvr>
+                                        <p:cTn id="23" dur="500"/>
+                                        <p:tgtEl>
+                                          <p:spTgt spid="1030"/>
+                                        </p:tgtEl>
+                                      </p:cBhvr>
+                                    </p:animEffect>
                                   </p:childTnLst>
                                 </p:cTn>
                               </p:par>
@@ -4745,6 +4905,8 @@
     </p:tnLst>
     <p:bldLst>
       <p:bldP spid="4" grpId="0" animBg="1"/>
+      <p:bldP spid="6" grpId="0"/>
+      <p:bldP spid="7" grpId="0"/>
     </p:bldLst>
   </p:timing>
 </p:sld>
@@ -5073,6 +5235,47 @@
           </a:prstGeom>
         </p:spPr>
       </p:pic>
+      <p:pic>
+        <p:nvPicPr>
+          <p:cNvPr id="5128" name="Picture 8" descr="▷ 【 SurveyMonkey 】Informação, Comentários e Preços |2021|"/>
+          <p:cNvPicPr>
+            <a:picLocks noChangeAspect="1" noChangeArrowheads="1"/>
+          </p:cNvPicPr>
+          <p:nvPr/>
+        </p:nvPicPr>
+        <p:blipFill>
+          <a:blip r:embed="rId10">
+            <a:extLst>
+              <a:ext uri="{28A0092B-C50C-407E-A947-70E740481C1C}">
+                <a14:useLocalDpi xmlns:a14="http://schemas.microsoft.com/office/drawing/2010/main" val="0"/>
+              </a:ext>
+            </a:extLst>
+          </a:blip>
+          <a:srcRect/>
+          <a:stretch>
+            <a:fillRect/>
+          </a:stretch>
+        </p:blipFill>
+        <p:spPr bwMode="auto">
+          <a:xfrm>
+            <a:off x="10058845" y="69584"/>
+            <a:ext cx="1621104" cy="1621104"/>
+          </a:xfrm>
+          <a:prstGeom prst="rect">
+            <a:avLst/>
+          </a:prstGeom>
+          <a:noFill/>
+          <a:extLst>
+            <a:ext uri="{909E8E84-426E-40DD-AFC4-6F175D3DCCD1}">
+              <a14:hiddenFill xmlns:a14="http://schemas.microsoft.com/office/drawing/2010/main">
+                <a:solidFill>
+                  <a:srgbClr val="FFFFFF"/>
+                </a:solidFill>
+              </a14:hiddenFill>
+            </a:ext>
+          </a:extLst>
+        </p:spPr>
+      </p:pic>
     </p:spTree>
     <p:extLst>
       <p:ext uri="{BB962C8B-B14F-4D97-AF65-F5344CB8AC3E}">
@@ -5939,6 +6142,47 @@
           </a:prstGeom>
         </p:spPr>
       </p:pic>
+      <p:pic>
+        <p:nvPicPr>
+          <p:cNvPr id="3074" name="Picture 2" descr="draw.io Diagrams"/>
+          <p:cNvPicPr>
+            <a:picLocks noChangeAspect="1" noChangeArrowheads="1"/>
+          </p:cNvPicPr>
+          <p:nvPr/>
+        </p:nvPicPr>
+        <p:blipFill>
+          <a:blip r:embed="rId7" cstate="print">
+            <a:extLst>
+              <a:ext uri="{28A0092B-C50C-407E-A947-70E740481C1C}">
+                <a14:useLocalDpi xmlns:a14="http://schemas.microsoft.com/office/drawing/2010/main" val="0"/>
+              </a:ext>
+            </a:extLst>
+          </a:blip>
+          <a:srcRect/>
+          <a:stretch>
+            <a:fillRect/>
+          </a:stretch>
+        </p:blipFill>
+        <p:spPr bwMode="auto">
+          <a:xfrm flipH="1">
+            <a:off x="10406358" y="317175"/>
+            <a:ext cx="1107362" cy="1107362"/>
+          </a:xfrm>
+          <a:prstGeom prst="rect">
+            <a:avLst/>
+          </a:prstGeom>
+          <a:noFill/>
+          <a:extLst>
+            <a:ext uri="{909E8E84-426E-40DD-AFC4-6F175D3DCCD1}">
+              <a14:hiddenFill xmlns:a14="http://schemas.microsoft.com/office/drawing/2010/main">
+                <a:solidFill>
+                  <a:srgbClr val="FFFFFF"/>
+                </a:solidFill>
+              </a14:hiddenFill>
+            </a:ext>
+          </a:extLst>
+        </p:spPr>
+      </p:pic>
     </p:spTree>
     <p:extLst>
       <p:ext uri="{BB962C8B-B14F-4D97-AF65-F5344CB8AC3E}">
@@ -6531,6 +6775,42 @@
                                         </p:tav>
                                       </p:tavLst>
                                     </p:anim>
+                                  </p:childTnLst>
+                                </p:cTn>
+                              </p:par>
+                            </p:childTnLst>
+                          </p:cTn>
+                        </p:par>
+                        <p:par>
+                          <p:cTn id="39" fill="hold">
+                            <p:stCondLst>
+                              <p:cond delay="3500"/>
+                            </p:stCondLst>
+                            <p:childTnLst>
+                              <p:par>
+                                <p:cTn id="40" presetID="1" presetClass="entr" presetSubtype="0" fill="hold" nodeType="afterEffect">
+                                  <p:stCondLst>
+                                    <p:cond delay="0"/>
+                                  </p:stCondLst>
+                                  <p:childTnLst>
+                                    <p:set>
+                                      <p:cBhvr>
+                                        <p:cTn id="41" dur="1" fill="hold">
+                                          <p:stCondLst>
+                                            <p:cond delay="0"/>
+                                          </p:stCondLst>
+                                        </p:cTn>
+                                        <p:tgtEl>
+                                          <p:spTgt spid="3074"/>
+                                        </p:tgtEl>
+                                        <p:attrNameLst>
+                                          <p:attrName>style.visibility</p:attrName>
+                                        </p:attrNameLst>
+                                      </p:cBhvr>
+                                      <p:to>
+                                        <p:strVal val="visible"/>
+                                      </p:to>
+                                    </p:set>
                                   </p:childTnLst>
                                 </p:cTn>
                               </p:par>
@@ -6813,6 +7093,47 @@
           </a:prstGeom>
         </p:spPr>
       </p:pic>
+      <p:pic>
+        <p:nvPicPr>
+          <p:cNvPr id="2050" name="Picture 2" descr="Marvel - The design platform for digital products. Get started for free."/>
+          <p:cNvPicPr>
+            <a:picLocks noChangeAspect="1" noChangeArrowheads="1"/>
+          </p:cNvPicPr>
+          <p:nvPr/>
+        </p:nvPicPr>
+        <p:blipFill>
+          <a:blip r:embed="rId7" cstate="print">
+            <a:extLst>
+              <a:ext uri="{28A0092B-C50C-407E-A947-70E740481C1C}">
+                <a14:useLocalDpi xmlns:a14="http://schemas.microsoft.com/office/drawing/2010/main" val="0"/>
+              </a:ext>
+            </a:extLst>
+          </a:blip>
+          <a:srcRect/>
+          <a:stretch>
+            <a:fillRect/>
+          </a:stretch>
+        </p:blipFill>
+        <p:spPr bwMode="auto">
+          <a:xfrm>
+            <a:off x="9543189" y="80234"/>
+            <a:ext cx="2045274" cy="1439975"/>
+          </a:xfrm>
+          <a:prstGeom prst="rect">
+            <a:avLst/>
+          </a:prstGeom>
+          <a:noFill/>
+          <a:extLst>
+            <a:ext uri="{909E8E84-426E-40DD-AFC4-6F175D3DCCD1}">
+              <a14:hiddenFill xmlns:a14="http://schemas.microsoft.com/office/drawing/2010/main">
+                <a:solidFill>
+                  <a:srgbClr val="FFFFFF"/>
+                </a:solidFill>
+              </a14:hiddenFill>
+            </a:ext>
+          </a:extLst>
+        </p:spPr>
+      </p:pic>
     </p:spTree>
     <p:extLst>
       <p:ext uri="{BB962C8B-B14F-4D97-AF65-F5344CB8AC3E}">
@@ -7212,6 +7533,41 @@
                                         <p:cTn id="33" dur="500"/>
                                         <p:tgtEl>
                                           <p:spTgt spid="8"/>
+                                        </p:tgtEl>
+                                      </p:cBhvr>
+                                    </p:animEffect>
+                                  </p:childTnLst>
+                                </p:cTn>
+                              </p:par>
+                              <p:par>
+                                <p:cTn id="34" presetID="10" presetClass="entr" presetSubtype="0" fill="hold" nodeType="withEffect">
+                                  <p:stCondLst>
+                                    <p:cond delay="0"/>
+                                  </p:stCondLst>
+                                  <p:childTnLst>
+                                    <p:set>
+                                      <p:cBhvr>
+                                        <p:cTn id="35" dur="1" fill="hold">
+                                          <p:stCondLst>
+                                            <p:cond delay="0"/>
+                                          </p:stCondLst>
+                                        </p:cTn>
+                                        <p:tgtEl>
+                                          <p:spTgt spid="2050"/>
+                                        </p:tgtEl>
+                                        <p:attrNameLst>
+                                          <p:attrName>style.visibility</p:attrName>
+                                        </p:attrNameLst>
+                                      </p:cBhvr>
+                                      <p:to>
+                                        <p:strVal val="visible"/>
+                                      </p:to>
+                                    </p:set>
+                                    <p:animEffect transition="in" filter="fade">
+                                      <p:cBhvr>
+                                        <p:cTn id="36" dur="500"/>
+                                        <p:tgtEl>
+                                          <p:spTgt spid="2050"/>
                                         </p:tgtEl>
                                       </p:cBhvr>
                                     </p:animEffect>
@@ -7377,6 +7733,47 @@
           </a:prstGeom>
         </p:spPr>
       </p:pic>
+      <p:pic>
+        <p:nvPicPr>
+          <p:cNvPr id="4098" name="Picture 2" descr="pbs.twimg.com/profile_images/621577553376100352..."/>
+          <p:cNvPicPr>
+            <a:picLocks noChangeAspect="1" noChangeArrowheads="1"/>
+          </p:cNvPicPr>
+          <p:nvPr/>
+        </p:nvPicPr>
+        <p:blipFill>
+          <a:blip r:embed="rId3">
+            <a:extLst>
+              <a:ext uri="{28A0092B-C50C-407E-A947-70E740481C1C}">
+                <a14:useLocalDpi xmlns:a14="http://schemas.microsoft.com/office/drawing/2010/main" val="0"/>
+              </a:ext>
+            </a:extLst>
+          </a:blip>
+          <a:srcRect/>
+          <a:stretch>
+            <a:fillRect/>
+          </a:stretch>
+        </p:blipFill>
+        <p:spPr bwMode="auto">
+          <a:xfrm>
+            <a:off x="9950768" y="78694"/>
+            <a:ext cx="1584325" cy="1584325"/>
+          </a:xfrm>
+          <a:prstGeom prst="rect">
+            <a:avLst/>
+          </a:prstGeom>
+          <a:noFill/>
+          <a:extLst>
+            <a:ext uri="{909E8E84-426E-40DD-AFC4-6F175D3DCCD1}">
+              <a14:hiddenFill xmlns:a14="http://schemas.microsoft.com/office/drawing/2010/main">
+                <a:solidFill>
+                  <a:srgbClr val="FFFFFF"/>
+                </a:solidFill>
+              </a14:hiddenFill>
+            </a:ext>
+          </a:extLst>
+        </p:spPr>
+      </p:pic>
     </p:spTree>
     <p:extLst>
       <p:ext uri="{BB962C8B-B14F-4D97-AF65-F5344CB8AC3E}">
@@ -7600,6 +7997,50 @@
                                         <p:cTn id="17" dur="500"/>
                                         <p:tgtEl>
                                           <p:spTgt spid="5"/>
+                                        </p:tgtEl>
+                                      </p:cBhvr>
+                                    </p:animEffect>
+                                  </p:childTnLst>
+                                </p:cTn>
+                              </p:par>
+                            </p:childTnLst>
+                          </p:cTn>
+                        </p:par>
+                        <p:par>
+                          <p:cTn id="18" fill="hold">
+                            <p:stCondLst>
+                              <p:cond delay="1500"/>
+                            </p:stCondLst>
+                            <p:childTnLst>
+                              <p:par>
+                                <p:cTn id="19" presetID="10" presetClass="entr" presetSubtype="0" fill="hold" nodeType="afterEffect">
+                                  <p:stCondLst>
+                                    <p:cond delay="0"/>
+                                  </p:stCondLst>
+                                  <p:childTnLst>
+                                    <p:set>
+                                      <p:cBhvr>
+                                        <p:cTn id="20" dur="1" fill="hold">
+                                          <p:stCondLst>
+                                            <p:cond delay="0"/>
+                                          </p:stCondLst>
+                                        </p:cTn>
+                                        <p:tgtEl>
+                                          <p:spTgt spid="4098"/>
+                                        </p:tgtEl>
+                                        <p:attrNameLst>
+                                          <p:attrName>style.visibility</p:attrName>
+                                        </p:attrNameLst>
+                                      </p:cBhvr>
+                                      <p:to>
+                                        <p:strVal val="visible"/>
+                                      </p:to>
+                                    </p:set>
+                                    <p:animEffect transition="in" filter="fade">
+                                      <p:cBhvr>
+                                        <p:cTn id="21" dur="500"/>
+                                        <p:tgtEl>
+                                          <p:spTgt spid="4098"/>
                                         </p:tgtEl>
                                       </p:cBhvr>
                                     </p:animEffect>
